--- a/Midterm_Presentation.pptx
+++ b/Midterm_Presentation.pptx
@@ -6,6 +6,8 @@
   </p:sldMasterIdLst>
   <p:sldIdLst>
     <p:sldId id="256" r:id="rId2"/>
+    <p:sldId id="257" r:id="rId3"/>
+    <p:sldId id="258" r:id="rId4"/>
   </p:sldIdLst>
   <p:sldSz cx="12192000" cy="6858000"/>
   <p:notesSz cx="6858000" cy="9144000"/>
@@ -2964,41 +2966,407 @@
           <a:chExt cx="0" cy="0"/>
         </a:xfrm>
       </p:grpSpPr>
-      <p:sp>
-        <p:nvSpPr>
-          <p:cNvPr id="2" name="Title 1"/>
-          <p:cNvSpPr>
-            <a:spLocks noGrp="1"/>
+      <p:graphicFrame>
+        <p:nvGraphicFramePr>
+          <p:cNvPr id="4" name="Table 3"/>
+          <p:cNvGraphicFramePr>
+            <a:graphicFrameLocks noGrp="1"/>
+          </p:cNvGraphicFramePr>
+          <p:nvPr>
+            <p:extLst>
+              <p:ext uri="{D42A27DB-BD31-4B8C-83A1-F6EECF244321}">
+                <p14:modId xmlns:p14="http://schemas.microsoft.com/office/powerpoint/2010/main" val="660296826"/>
+              </p:ext>
+            </p:extLst>
+          </p:nvPr>
+        </p:nvGraphicFramePr>
+        <p:xfrm>
+          <a:off x="3003550" y="2716272"/>
+          <a:ext cx="6642099" cy="768690"/>
+        </p:xfrm>
+        <a:graphic>
+          <a:graphicData uri="http://schemas.openxmlformats.org/drawingml/2006/table">
+            <a:tbl>
+              <a:tblPr>
+                <a:tableStyleId>{5C22544A-7EE6-4342-B048-85BDC9FD1C3A}</a:tableStyleId>
+              </a:tblPr>
+              <a:tblGrid>
+                <a:gridCol w="2214033"/>
+                <a:gridCol w="2214033"/>
+                <a:gridCol w="2214033"/>
+              </a:tblGrid>
+              <a:tr h="768690">
+                <a:tc>
+                  <a:txBody>
+                    <a:bodyPr/>
+                    <a:lstStyle/>
+                    <a:p>
+                      <a:pPr marL="0" marR="0" algn="ctr">
+                        <a:spcBef>
+                          <a:spcPts val="900"/>
+                        </a:spcBef>
+                        <a:spcAft>
+                          <a:spcPts val="300"/>
+                        </a:spcAft>
+                      </a:pPr>
+                      <a:r>
+                        <a:rPr lang="en-US" sz="1200" dirty="0">
+                          <a:effectLst/>
+                        </a:rPr>
+                        <a:t>Matthew </a:t>
+                      </a:r>
+                      <a:r>
+                        <a:rPr lang="en-US" sz="1200" dirty="0" err="1">
+                          <a:effectLst/>
+                        </a:rPr>
+                        <a:t>Bachelder</a:t>
+                      </a:r>
+                      <a:r>
+                        <a:rPr lang="en-US" sz="900" dirty="0">
+                          <a:effectLst/>
+                        </a:rPr>
+                        <a:t/>
+                      </a:r>
+                      <a:br>
+                        <a:rPr lang="en-US" sz="900" dirty="0">
+                          <a:effectLst/>
+                        </a:rPr>
+                      </a:br>
+                      <a:r>
+                        <a:rPr lang="en-US" sz="1000" dirty="0">
+                          <a:effectLst/>
+                        </a:rPr>
+                        <a:t>University of Texas at Dallas</a:t>
+                      </a:r>
+                      <a:r>
+                        <a:rPr lang="en-US" sz="900" dirty="0">
+                          <a:effectLst/>
+                        </a:rPr>
+                        <a:t/>
+                      </a:r>
+                      <a:br>
+                        <a:rPr lang="en-US" sz="900" dirty="0">
+                          <a:effectLst/>
+                        </a:rPr>
+                      </a:br>
+                      <a:r>
+                        <a:rPr lang="en-US" sz="1000" dirty="0">
+                          <a:effectLst/>
+                        </a:rPr>
+                        <a:t>United States</a:t>
+                      </a:r>
+                      <a:r>
+                        <a:rPr lang="en-US" sz="900" dirty="0">
+                          <a:effectLst/>
+                        </a:rPr>
+                        <a:t/>
+                      </a:r>
+                      <a:br>
+                        <a:rPr lang="en-US" sz="900" dirty="0">
+                          <a:effectLst/>
+                        </a:rPr>
+                      </a:br>
+                      <a:r>
+                        <a:rPr lang="en-US" sz="1000" dirty="0">
+                          <a:effectLst/>
+                        </a:rPr>
+                        <a:t>mtb140130@utdallas.edu</a:t>
+                      </a:r>
+                      <a:endParaRPr lang="en-US" sz="900" dirty="0">
+                        <a:effectLst/>
+                        <a:latin typeface="Linux Libertine" charset="0"/>
+                        <a:ea typeface="Calibri" charset="0"/>
+                        <a:cs typeface="Times New Roman" charset="0"/>
+                      </a:endParaRPr>
+                    </a:p>
+                  </a:txBody>
+                  <a:tcPr marL="68580" marR="68580" marT="0" marB="0"/>
+                </a:tc>
+                <a:tc>
+                  <a:txBody>
+                    <a:bodyPr/>
+                    <a:lstStyle/>
+                    <a:p>
+                      <a:pPr marL="0" marR="0" algn="ctr">
+                        <a:spcBef>
+                          <a:spcPts val="900"/>
+                        </a:spcBef>
+                        <a:spcAft>
+                          <a:spcPts val="300"/>
+                        </a:spcAft>
+                      </a:pPr>
+                      <a:r>
+                        <a:rPr lang="en-US" sz="1200">
+                          <a:effectLst/>
+                        </a:rPr>
+                        <a:t>Vaishnavi Bhosale</a:t>
+                      </a:r>
+                      <a:r>
+                        <a:rPr lang="en-US" sz="900">
+                          <a:effectLst/>
+                        </a:rPr>
+                        <a:t/>
+                      </a:r>
+                      <a:br>
+                        <a:rPr lang="en-US" sz="900">
+                          <a:effectLst/>
+                        </a:rPr>
+                      </a:br>
+                      <a:r>
+                        <a:rPr lang="en-US" sz="1000">
+                          <a:effectLst/>
+                        </a:rPr>
+                        <a:t>University of Texas at Dallas</a:t>
+                      </a:r>
+                      <a:r>
+                        <a:rPr lang="en-US" sz="900">
+                          <a:effectLst/>
+                        </a:rPr>
+                        <a:t/>
+                      </a:r>
+                      <a:br>
+                        <a:rPr lang="en-US" sz="900">
+                          <a:effectLst/>
+                        </a:rPr>
+                      </a:br>
+                      <a:r>
+                        <a:rPr lang="en-US" sz="1000">
+                          <a:effectLst/>
+                        </a:rPr>
+                        <a:t>United States</a:t>
+                      </a:r>
+                      <a:r>
+                        <a:rPr lang="en-US" sz="900">
+                          <a:effectLst/>
+                        </a:rPr>
+                        <a:t/>
+                      </a:r>
+                      <a:br>
+                        <a:rPr lang="en-US" sz="900">
+                          <a:effectLst/>
+                        </a:rPr>
+                      </a:br>
+                      <a:r>
+                        <a:rPr lang="en-US" sz="1000">
+                          <a:effectLst/>
+                        </a:rPr>
+                        <a:t>vbb160030@utdallas.edu</a:t>
+                      </a:r>
+                      <a:endParaRPr lang="en-US" sz="900">
+                        <a:effectLst/>
+                        <a:latin typeface="Linux Libertine" charset="0"/>
+                        <a:ea typeface="Calibri" charset="0"/>
+                        <a:cs typeface="Times New Roman" charset="0"/>
+                      </a:endParaRPr>
+                    </a:p>
+                  </a:txBody>
+                  <a:tcPr marL="68580" marR="68580" marT="0" marB="0"/>
+                </a:tc>
+                <a:tc>
+                  <a:txBody>
+                    <a:bodyPr/>
+                    <a:lstStyle/>
+                    <a:p>
+                      <a:pPr marL="0" marR="0" algn="ctr">
+                        <a:spcBef>
+                          <a:spcPts val="900"/>
+                        </a:spcBef>
+                        <a:spcAft>
+                          <a:spcPts val="300"/>
+                        </a:spcAft>
+                      </a:pPr>
+                      <a:r>
+                        <a:rPr lang="en-US" sz="1200" dirty="0">
+                          <a:effectLst/>
+                        </a:rPr>
+                        <a:t>Richard Fisher</a:t>
+                      </a:r>
+                      <a:r>
+                        <a:rPr lang="en-US" sz="900" dirty="0">
+                          <a:effectLst/>
+                        </a:rPr>
+                        <a:t/>
+                      </a:r>
+                      <a:br>
+                        <a:rPr lang="en-US" sz="900" dirty="0">
+                          <a:effectLst/>
+                        </a:rPr>
+                      </a:br>
+                      <a:r>
+                        <a:rPr lang="en-US" sz="1000" dirty="0">
+                          <a:effectLst/>
+                        </a:rPr>
+                        <a:t>University of Texas at Dallas</a:t>
+                      </a:r>
+                      <a:r>
+                        <a:rPr lang="en-US" sz="900" dirty="0">
+                          <a:effectLst/>
+                        </a:rPr>
+                        <a:t/>
+                      </a:r>
+                      <a:br>
+                        <a:rPr lang="en-US" sz="900" dirty="0">
+                          <a:effectLst/>
+                        </a:rPr>
+                      </a:br>
+                      <a:r>
+                        <a:rPr lang="en-US" sz="1000" dirty="0">
+                          <a:effectLst/>
+                        </a:rPr>
+                        <a:t>United States</a:t>
+                      </a:r>
+                      <a:r>
+                        <a:rPr lang="en-US" sz="900" dirty="0">
+                          <a:effectLst/>
+                        </a:rPr>
+                        <a:t/>
+                      </a:r>
+                      <a:br>
+                        <a:rPr lang="en-US" sz="900" dirty="0">
+                          <a:effectLst/>
+                        </a:rPr>
+                      </a:br>
+                      <a:r>
+                        <a:rPr lang="en-US" sz="1000" dirty="0">
+                          <a:effectLst/>
+                        </a:rPr>
+                        <a:t>rxf120030@utdallas.edu</a:t>
+                      </a:r>
+                      <a:endParaRPr lang="en-US" sz="900" dirty="0">
+                        <a:effectLst/>
+                        <a:latin typeface="Linux Libertine" charset="0"/>
+                        <a:ea typeface="Calibri" charset="0"/>
+                        <a:cs typeface="Times New Roman" charset="0"/>
+                      </a:endParaRPr>
+                    </a:p>
+                  </a:txBody>
+                  <a:tcPr marL="68580" marR="68580" marT="0" marB="0"/>
+                </a:tc>
+              </a:tr>
+            </a:tbl>
+          </a:graphicData>
+        </a:graphic>
+      </p:graphicFrame>
+      <p:sp>
+        <p:nvSpPr>
+          <p:cNvPr id="5" name="Rectangle 1"/>
+          <p:cNvSpPr>
+            <a:spLocks noGrp="1" noChangeArrowheads="1"/>
           </p:cNvSpPr>
           <p:nvPr>
             <p:ph type="ctrTitle"/>
           </p:nvPr>
         </p:nvSpPr>
-        <p:spPr/>
-        <p:txBody>
-          <a:bodyPr/>
-          <a:lstStyle/>
-          <a:p>
-            <a:endParaRPr lang="en-US"/>
-          </a:p>
-        </p:txBody>
-      </p:sp>
-      <p:sp>
-        <p:nvSpPr>
-          <p:cNvPr id="3" name="Subtitle 2"/>
-          <p:cNvSpPr>
-            <a:spLocks noGrp="1"/>
-          </p:cNvSpPr>
-          <p:nvPr>
-            <p:ph type="subTitle" idx="1"/>
-          </p:nvPr>
-        </p:nvSpPr>
-        <p:spPr/>
-        <p:txBody>
-          <a:bodyPr/>
-          <a:lstStyle/>
-          <a:p>
-            <a:endParaRPr lang="en-US"/>
+        <p:spPr bwMode="auto">
+          <a:xfrm>
+            <a:off x="3423665" y="1916053"/>
+            <a:ext cx="5344668" cy="800219"/>
+          </a:xfrm>
+          <a:prstGeom prst="rect">
+            <a:avLst/>
+          </a:prstGeom>
+          <a:noFill/>
+          <a:ln>
+            <a:noFill/>
+          </a:ln>
+          <a:effectLst/>
+          <a:extLst>
+            <a:ext uri="{909E8E84-426E-40DD-AFC4-6F175D3DCCD1}">
+              <a14:hiddenFill xmlns:a14="http://schemas.microsoft.com/office/drawing/2010/main">
+                <a:solidFill>
+                  <a:schemeClr val="accent1"/>
+                </a:solidFill>
+              </a14:hiddenFill>
+            </a:ext>
+            <a:ext uri="{91240B29-F687-4F45-9708-019B960494DF}">
+              <a14:hiddenLine xmlns:a14="http://schemas.microsoft.com/office/drawing/2010/main" w="9525">
+                <a:solidFill>
+                  <a:schemeClr val="tx1"/>
+                </a:solidFill>
+                <a:miter lim="800000"/>
+                <a:headEnd/>
+                <a:tailEnd/>
+              </a14:hiddenLine>
+            </a:ext>
+            <a:ext uri="{AF507438-7753-43E0-B8FC-AC1667EBCBE1}">
+              <a14:hiddenEffects xmlns:a14="http://schemas.microsoft.com/office/drawing/2010/main">
+                <a:effectLst>
+                  <a:outerShdw blurRad="63500" dist="38099" dir="2700000" algn="ctr" rotWithShape="0">
+                    <a:schemeClr val="bg2">
+                      <a:alpha val="74998"/>
+                    </a:schemeClr>
+                  </a:outerShdw>
+                </a:effectLst>
+              </a14:hiddenEffects>
+            </a:ext>
+          </a:extLst>
+        </p:spPr>
+        <p:txBody>
+          <a:bodyPr vert="horz" wrap="none" lIns="91440" tIns="45720" rIns="91440" bIns="45720" numCol="1" anchor="ctr" anchorCtr="0" compatLnSpc="1">
+            <a:prstTxWarp prst="textNoShape">
+              <a:avLst/>
+            </a:prstTxWarp>
+            <a:spAutoFit/>
+          </a:bodyPr>
+          <a:lstStyle/>
+          <a:p>
+            <a:pPr marL="0" marR="0" lvl="0" indent="0" defTabSz="914400" rtl="0" eaLnBrk="0" fontAlgn="base" latinLnBrk="0" hangingPunct="0">
+              <a:lnSpc>
+                <a:spcPct val="100000"/>
+              </a:lnSpc>
+              <a:spcBef>
+                <a:spcPct val="0"/>
+              </a:spcBef>
+              <a:spcAft>
+                <a:spcPct val="0"/>
+              </a:spcAft>
+              <a:buClrTx/>
+              <a:buSzTx/>
+              <a:buFontTx/>
+              <a:buNone/>
+              <a:tabLst/>
+            </a:pPr>
+            <a:r>
+              <a:rPr kumimoji="0" lang="en-US" altLang="en-US" sz="2800" b="0" i="0" u="none" strike="noStrike" cap="none" normalizeH="0" baseline="0" dirty="0">
+                <a:ln>
+                  <a:noFill/>
+                </a:ln>
+                <a:solidFill>
+                  <a:schemeClr val="tx1"/>
+                </a:solidFill>
+                <a:effectLst/>
+                <a:latin typeface="Arial" charset="0"/>
+              </a:rPr>
+              <a:t>PIT Mutation Tool Additions</a:t>
+            </a:r>
+          </a:p>
+          <a:p>
+            <a:pPr marL="0" marR="0" lvl="0" indent="0" algn="l" defTabSz="914400" rtl="0" eaLnBrk="0" fontAlgn="base" latinLnBrk="0" hangingPunct="0">
+              <a:lnSpc>
+                <a:spcPct val="100000"/>
+              </a:lnSpc>
+              <a:spcBef>
+                <a:spcPct val="0"/>
+              </a:spcBef>
+              <a:spcAft>
+                <a:spcPct val="0"/>
+              </a:spcAft>
+              <a:buClrTx/>
+              <a:buSzTx/>
+              <a:buFontTx/>
+              <a:buNone/>
+              <a:tabLst/>
+            </a:pPr>
+            <a:endParaRPr kumimoji="0" lang="en-US" altLang="en-US" sz="1800" b="0" i="0" u="none" strike="noStrike" cap="none" normalizeH="0" baseline="0" dirty="0">
+              <a:ln>
+                <a:noFill/>
+              </a:ln>
+              <a:solidFill>
+                <a:schemeClr val="tx1"/>
+              </a:solidFill>
+              <a:effectLst/>
+              <a:latin typeface="Arial" charset="0"/>
+            </a:endParaRPr>
           </a:p>
         </p:txBody>
       </p:sp>
@@ -3006,6 +3374,195 @@
     <p:extLst>
       <p:ext uri="{BB962C8B-B14F-4D97-AF65-F5344CB8AC3E}">
         <p14:creationId xmlns:p14="http://schemas.microsoft.com/office/powerpoint/2010/main" val="2009016324"/>
+      </p:ext>
+    </p:extLst>
+  </p:cSld>
+  <p:clrMapOvr>
+    <a:masterClrMapping/>
+  </p:clrMapOvr>
+</p:sld>
+</file>
+
+<file path=ppt/slides/slide2.xml><?xml version="1.0" encoding="utf-8"?>
+<p:sld xmlns:a="http://schemas.openxmlformats.org/drawingml/2006/main" xmlns:r="http://schemas.openxmlformats.org/officeDocument/2006/relationships" xmlns:p="http://schemas.openxmlformats.org/presentationml/2006/main">
+  <p:cSld>
+    <p:spTree>
+      <p:nvGrpSpPr>
+        <p:cNvPr id="1" name=""/>
+        <p:cNvGrpSpPr/>
+        <p:nvPr/>
+      </p:nvGrpSpPr>
+      <p:grpSpPr>
+        <a:xfrm>
+          <a:off x="0" y="0"/>
+          <a:ext cx="0" cy="0"/>
+          <a:chOff x="0" y="0"/>
+          <a:chExt cx="0" cy="0"/>
+        </a:xfrm>
+      </p:grpSpPr>
+      <p:sp>
+        <p:nvSpPr>
+          <p:cNvPr id="2" name="Title 1"/>
+          <p:cNvSpPr>
+            <a:spLocks noGrp="1"/>
+          </p:cNvSpPr>
+          <p:nvPr>
+            <p:ph type="title"/>
+          </p:nvPr>
+        </p:nvSpPr>
+        <p:spPr/>
+        <p:txBody>
+          <a:bodyPr/>
+          <a:lstStyle/>
+          <a:p>
+            <a:r>
+              <a:rPr lang="en-US" dirty="0" smtClean="0"/>
+              <a:t>What is mutation testing?</a:t>
+            </a:r>
+            <a:endParaRPr lang="en-US" dirty="0"/>
+          </a:p>
+        </p:txBody>
+      </p:sp>
+      <p:sp>
+        <p:nvSpPr>
+          <p:cNvPr id="3" name="Content Placeholder 2"/>
+          <p:cNvSpPr>
+            <a:spLocks noGrp="1"/>
+          </p:cNvSpPr>
+          <p:nvPr>
+            <p:ph idx="1"/>
+          </p:nvPr>
+        </p:nvSpPr>
+        <p:spPr/>
+        <p:txBody>
+          <a:bodyPr/>
+          <a:lstStyle/>
+          <a:p>
+            <a:r>
+              <a:rPr lang="en-US" dirty="0"/>
+              <a:t>A</a:t>
+            </a:r>
+            <a:r>
+              <a:rPr lang="en-US" dirty="0" smtClean="0"/>
+              <a:t> </a:t>
+            </a:r>
+            <a:r>
+              <a:rPr lang="en-US" dirty="0"/>
+              <a:t>method of software quality control that tests the unit test suite defined for programs by artificially injecting errors, or mutations, into software.  </a:t>
+            </a:r>
+            <a:endParaRPr lang="en-US" dirty="0" smtClean="0"/>
+          </a:p>
+          <a:p>
+            <a:r>
+              <a:rPr lang="en-US" dirty="0" smtClean="0"/>
+              <a:t>Tests </a:t>
+            </a:r>
+            <a:r>
+              <a:rPr lang="en-US" dirty="0"/>
+              <a:t>are then executed to evaluate the quality of the test suite. </a:t>
+            </a:r>
+            <a:endParaRPr lang="en-US" dirty="0" smtClean="0"/>
+          </a:p>
+          <a:p>
+            <a:pPr lvl="1"/>
+            <a:r>
+              <a:rPr lang="en-US" dirty="0" smtClean="0"/>
+              <a:t> </a:t>
+            </a:r>
+            <a:r>
+              <a:rPr lang="en-US" dirty="0"/>
+              <a:t>If the mutations are detected, then the mutation is killed and the test suite is deemed adequate with respect to that section of code.  </a:t>
+            </a:r>
+            <a:endParaRPr lang="en-US" dirty="0" smtClean="0"/>
+          </a:p>
+          <a:p>
+            <a:pPr lvl="1"/>
+            <a:r>
+              <a:rPr lang="en-US" dirty="0" smtClean="0"/>
+              <a:t>If </a:t>
+            </a:r>
+            <a:r>
+              <a:rPr lang="en-US" dirty="0"/>
+              <a:t>the mutation is not detected, then it is said to have passed, and the test suite for that section of code is inadequate. </a:t>
+            </a:r>
+          </a:p>
+          <a:p>
+            <a:endParaRPr lang="en-US" dirty="0"/>
+          </a:p>
+        </p:txBody>
+      </p:sp>
+    </p:spTree>
+    <p:extLst>
+      <p:ext uri="{BB962C8B-B14F-4D97-AF65-F5344CB8AC3E}">
+        <p14:creationId xmlns:p14="http://schemas.microsoft.com/office/powerpoint/2010/main" val="21460026"/>
+      </p:ext>
+    </p:extLst>
+  </p:cSld>
+  <p:clrMapOvr>
+    <a:masterClrMapping/>
+  </p:clrMapOvr>
+</p:sld>
+</file>
+
+<file path=ppt/slides/slide3.xml><?xml version="1.0" encoding="utf-8"?>
+<p:sld xmlns:a="http://schemas.openxmlformats.org/drawingml/2006/main" xmlns:r="http://schemas.openxmlformats.org/officeDocument/2006/relationships" xmlns:p="http://schemas.openxmlformats.org/presentationml/2006/main">
+  <p:cSld>
+    <p:spTree>
+      <p:nvGrpSpPr>
+        <p:cNvPr id="1" name=""/>
+        <p:cNvGrpSpPr/>
+        <p:nvPr/>
+      </p:nvGrpSpPr>
+      <p:grpSpPr>
+        <a:xfrm>
+          <a:off x="0" y="0"/>
+          <a:ext cx="0" cy="0"/>
+          <a:chOff x="0" y="0"/>
+          <a:chExt cx="0" cy="0"/>
+        </a:xfrm>
+      </p:grpSpPr>
+      <p:sp>
+        <p:nvSpPr>
+          <p:cNvPr id="2" name="Title 1"/>
+          <p:cNvSpPr>
+            <a:spLocks noGrp="1"/>
+          </p:cNvSpPr>
+          <p:nvPr>
+            <p:ph type="title"/>
+          </p:nvPr>
+        </p:nvSpPr>
+        <p:spPr/>
+        <p:txBody>
+          <a:bodyPr/>
+          <a:lstStyle/>
+          <a:p>
+            <a:endParaRPr lang="en-US"/>
+          </a:p>
+        </p:txBody>
+      </p:sp>
+      <p:sp>
+        <p:nvSpPr>
+          <p:cNvPr id="3" name="Content Placeholder 2"/>
+          <p:cNvSpPr>
+            <a:spLocks noGrp="1"/>
+          </p:cNvSpPr>
+          <p:nvPr>
+            <p:ph idx="1"/>
+          </p:nvPr>
+        </p:nvSpPr>
+        <p:spPr/>
+        <p:txBody>
+          <a:bodyPr/>
+          <a:lstStyle/>
+          <a:p>
+            <a:endParaRPr lang="en-US"/>
+          </a:p>
+        </p:txBody>
+      </p:sp>
+    </p:spTree>
+    <p:extLst>
+      <p:ext uri="{BB962C8B-B14F-4D97-AF65-F5344CB8AC3E}">
+        <p14:creationId xmlns:p14="http://schemas.microsoft.com/office/powerpoint/2010/main" val="1028736871"/>
       </p:ext>
     </p:extLst>
   </p:cSld>

--- a/Midterm_Presentation.pptx
+++ b/Midterm_Presentation.pptx
@@ -3536,7 +3536,17 @@
           <a:bodyPr/>
           <a:lstStyle/>
           <a:p>
-            <a:endParaRPr lang="en-US"/>
+            <a:r>
+              <a:rPr lang="en-US" dirty="0"/>
+              <a:t>Proposed Additions to PIT</a:t>
+            </a:r>
+            <a:r>
+              <a:rPr lang="en-US" dirty="0" smtClean="0">
+                <a:effectLst/>
+              </a:rPr>
+              <a:t> </a:t>
+            </a:r>
+            <a:endParaRPr lang="en-US" dirty="0"/>
           </a:p>
         </p:txBody>
       </p:sp>
@@ -3552,10 +3562,144 @@
         </p:nvSpPr>
         <p:spPr/>
         <p:txBody>
-          <a:bodyPr/>
-          <a:lstStyle/>
-          <a:p>
-            <a:endParaRPr lang="en-US"/>
+          <a:bodyPr>
+            <a:normAutofit fontScale="70000" lnSpcReduction="20000"/>
+          </a:bodyPr>
+          <a:lstStyle/>
+          <a:p>
+            <a:r>
+              <a:rPr lang="en-US" dirty="0" smtClean="0"/>
+              <a:t>ABS</a:t>
+            </a:r>
+          </a:p>
+          <a:p>
+            <a:pPr lvl="1"/>
+            <a:r>
+              <a:rPr lang="en-US" dirty="0" smtClean="0"/>
+              <a:t>Replaces </a:t>
+            </a:r>
+            <a:r>
+              <a:rPr lang="en-US" dirty="0"/>
+              <a:t>a variable by its negation, e.g., a becomes –a</a:t>
+            </a:r>
+          </a:p>
+          <a:p>
+            <a:r>
+              <a:rPr lang="en-US" dirty="0" smtClean="0"/>
+              <a:t>OBBN </a:t>
+            </a:r>
+          </a:p>
+          <a:p>
+            <a:pPr lvl="1"/>
+            <a:r>
+              <a:rPr lang="en-US" dirty="0" smtClean="0"/>
+              <a:t>Replaces </a:t>
+            </a:r>
+            <a:r>
+              <a:rPr lang="en-US" dirty="0"/>
+              <a:t>the operators &amp; by | and vice versa, e.g., </a:t>
+            </a:r>
+            <a:r>
+              <a:rPr lang="en-US" dirty="0" err="1"/>
+              <a:t>a&amp;b</a:t>
+            </a:r>
+            <a:r>
+              <a:rPr lang="en-US" dirty="0"/>
+              <a:t> becomes </a:t>
+            </a:r>
+            <a:r>
+              <a:rPr lang="en-US" dirty="0" err="1"/>
+              <a:t>a|b</a:t>
+            </a:r>
+            <a:endParaRPr lang="en-US" dirty="0"/>
+          </a:p>
+          <a:p>
+            <a:r>
+              <a:rPr lang="en-US" dirty="0" smtClean="0"/>
+              <a:t>AOD </a:t>
+            </a:r>
+          </a:p>
+          <a:p>
+            <a:pPr lvl="1"/>
+            <a:r>
+              <a:rPr lang="en-US" dirty="0" smtClean="0"/>
+              <a:t>Replaces </a:t>
+            </a:r>
+            <a:r>
+              <a:rPr lang="en-US" dirty="0"/>
+              <a:t>an arithmetic expression by one of the operand, e.g., a + b becomes a</a:t>
+            </a:r>
+          </a:p>
+          <a:p>
+            <a:r>
+              <a:rPr lang="en-US" dirty="0" smtClean="0"/>
+              <a:t>ROR</a:t>
+            </a:r>
+          </a:p>
+          <a:p>
+            <a:pPr lvl="1"/>
+            <a:r>
+              <a:rPr lang="en-US" dirty="0" smtClean="0"/>
+              <a:t>Replaces </a:t>
+            </a:r>
+            <a:r>
+              <a:rPr lang="en-US" dirty="0"/>
+              <a:t>the relational operators with another one. It applies every replacement, e.g., &lt; becomes ≥, or &gt; becomes ≤</a:t>
+            </a:r>
+          </a:p>
+          <a:p>
+            <a:r>
+              <a:rPr lang="en-US" dirty="0" smtClean="0"/>
+              <a:t>AOR</a:t>
+            </a:r>
+          </a:p>
+          <a:p>
+            <a:pPr lvl="1"/>
+            <a:r>
+              <a:rPr lang="en-US" dirty="0" smtClean="0"/>
+              <a:t>Replaces </a:t>
+            </a:r>
+            <a:r>
+              <a:rPr lang="en-US" dirty="0"/>
+              <a:t>an arithmetic expression by another one. a + b becomes a ∗ b</a:t>
+            </a:r>
+          </a:p>
+          <a:p>
+            <a:r>
+              <a:rPr lang="en-US" dirty="0" smtClean="0"/>
+              <a:t>UOI</a:t>
+            </a:r>
+          </a:p>
+          <a:p>
+            <a:pPr lvl="1"/>
+            <a:r>
+              <a:rPr lang="en-US" dirty="0" smtClean="0"/>
+              <a:t>Replaces </a:t>
+            </a:r>
+            <a:r>
+              <a:rPr lang="en-US" dirty="0"/>
+              <a:t>a variable with a unary operator or removes an instance of an unary operator. a becomes a++</a:t>
+            </a:r>
+          </a:p>
+          <a:p>
+            <a:r>
+              <a:rPr lang="en-US" dirty="0" smtClean="0"/>
+              <a:t>CRCR</a:t>
+            </a:r>
+          </a:p>
+          <a:p>
+            <a:pPr lvl="1"/>
+            <a:r>
+              <a:rPr lang="en-US" dirty="0" smtClean="0"/>
+              <a:t>Replaces </a:t>
+            </a:r>
+            <a:r>
+              <a:rPr lang="en-US" dirty="0"/>
+              <a:t>a constant a with its negation, or with 1, 0, a + 1, a – 1, e.g., a becomes −a, and a becomes a − 1.</a:t>
+            </a:r>
+          </a:p>
+          <a:p>
+            <a:endParaRPr lang="en-US" dirty="0"/>
           </a:p>
         </p:txBody>
       </p:sp>

--- a/Midterm_Presentation.pptx
+++ b/Midterm_Presentation.pptx
@@ -8,6 +8,7 @@
     <p:sldId id="256" r:id="rId2"/>
     <p:sldId id="257" r:id="rId3"/>
     <p:sldId id="258" r:id="rId4"/>
+    <p:sldId id="259" r:id="rId5"/>
   </p:sldIdLst>
   <p:sldSz cx="12192000" cy="6858000"/>
   <p:notesSz cx="6858000" cy="9144000"/>
@@ -3716,6 +3717,201 @@
 </p:sld>
 </file>
 
+<file path=ppt/slides/slide4.xml><?xml version="1.0" encoding="utf-8"?>
+<p:sld xmlns:a="http://schemas.openxmlformats.org/drawingml/2006/main" xmlns:r="http://schemas.openxmlformats.org/officeDocument/2006/relationships" xmlns:p="http://schemas.openxmlformats.org/presentationml/2006/main">
+  <p:cSld>
+    <p:spTree>
+      <p:nvGrpSpPr>
+        <p:cNvPr id="1" name=""/>
+        <p:cNvGrpSpPr/>
+        <p:nvPr/>
+      </p:nvGrpSpPr>
+      <p:grpSpPr>
+        <a:xfrm>
+          <a:off x="0" y="0"/>
+          <a:ext cx="0" cy="0"/>
+          <a:chOff x="0" y="0"/>
+          <a:chExt cx="0" cy="0"/>
+        </a:xfrm>
+      </p:grpSpPr>
+      <p:sp>
+        <p:nvSpPr>
+          <p:cNvPr id="2" name="Title 1"/>
+          <p:cNvSpPr>
+            <a:spLocks noGrp="1"/>
+          </p:cNvSpPr>
+          <p:nvPr>
+            <p:ph type="title"/>
+          </p:nvPr>
+        </p:nvSpPr>
+        <p:spPr/>
+        <p:txBody>
+          <a:bodyPr/>
+          <a:lstStyle/>
+          <a:p>
+            <a:r>
+              <a:rPr lang="en-US" dirty="0"/>
+              <a:t>Experimental Evaluation </a:t>
+            </a:r>
+          </a:p>
+        </p:txBody>
+      </p:sp>
+      <p:sp>
+        <p:nvSpPr>
+          <p:cNvPr id="3" name="Content Placeholder 2"/>
+          <p:cNvSpPr>
+            <a:spLocks noGrp="1"/>
+          </p:cNvSpPr>
+          <p:nvPr>
+            <p:ph idx="1"/>
+          </p:nvPr>
+        </p:nvSpPr>
+        <p:spPr/>
+        <p:txBody>
+          <a:bodyPr>
+            <a:normAutofit/>
+          </a:bodyPr>
+          <a:lstStyle/>
+          <a:p>
+            <a:r>
+              <a:rPr lang="en-US" dirty="0" smtClean="0"/>
+              <a:t>Evaluated </a:t>
+            </a:r>
+            <a:r>
+              <a:rPr lang="en-US" dirty="0"/>
+              <a:t>on five real world projects chosen from GitHub. </a:t>
+            </a:r>
+            <a:endParaRPr lang="en-US" dirty="0" smtClean="0"/>
+          </a:p>
+          <a:p>
+            <a:pPr lvl="1"/>
+            <a:r>
+              <a:rPr lang="en-US" dirty="0" smtClean="0"/>
+              <a:t>Each </a:t>
+            </a:r>
+            <a:r>
+              <a:rPr lang="en-US" dirty="0"/>
+              <a:t>project will contain a minimum of 1,000 lines of code, and will be evaluated after running at least 50 tests per </a:t>
+            </a:r>
+            <a:r>
+              <a:rPr lang="en-US" dirty="0" smtClean="0"/>
+              <a:t>project</a:t>
+            </a:r>
+          </a:p>
+          <a:p>
+            <a:r>
+              <a:rPr lang="en-US" dirty="0" smtClean="0"/>
+              <a:t>Overall </a:t>
+            </a:r>
+            <a:r>
+              <a:rPr lang="en-US" dirty="0"/>
+              <a:t>quality of the test </a:t>
+            </a:r>
+            <a:r>
+              <a:rPr lang="en-US" dirty="0" smtClean="0"/>
+              <a:t>suites will </a:t>
+            </a:r>
+            <a:r>
+              <a:rPr lang="en-US" dirty="0"/>
+              <a:t>be measured using the mutation adequacy score given in equation </a:t>
+            </a:r>
+            <a:r>
+              <a:rPr lang="en-US" dirty="0" smtClean="0">
+                <a:effectLst/>
+              </a:rPr>
+              <a:t> </a:t>
+            </a:r>
+          </a:p>
+          <a:p>
+            <a:endParaRPr lang="en-US" dirty="0"/>
+          </a:p>
+          <a:p>
+            <a:pPr lvl="1"/>
+            <a:endParaRPr lang="en-US" dirty="0" smtClean="0"/>
+          </a:p>
+          <a:p>
+            <a:pPr lvl="1"/>
+            <a:endParaRPr lang="en-US" dirty="0"/>
+          </a:p>
+          <a:p>
+            <a:pPr lvl="1"/>
+            <a:r>
+              <a:rPr lang="en-US" dirty="0" smtClean="0"/>
+              <a:t>Where</a:t>
+            </a:r>
+            <a:r>
+              <a:rPr lang="en-US" dirty="0"/>
+              <a:t> </a:t>
+            </a:r>
+            <a:r>
+              <a:rPr lang="en-US" dirty="0" smtClean="0"/>
+              <a:t> number of </a:t>
+            </a:r>
+            <a:r>
+              <a:rPr lang="en-US" dirty="0"/>
+              <a:t>Killed mutants, M = total number of Mutants, </a:t>
+            </a:r>
+            <a:r>
+              <a:rPr lang="en-US" dirty="0" err="1"/>
+              <a:t>En</a:t>
+            </a:r>
+            <a:r>
+              <a:rPr lang="en-US" dirty="0"/>
+              <a:t> = </a:t>
+            </a:r>
+            <a:r>
+              <a:rPr lang="en-US" dirty="0" smtClean="0"/>
+              <a:t>number of </a:t>
+            </a:r>
+            <a:r>
+              <a:rPr lang="en-US" dirty="0"/>
+              <a:t>equivalent mutants</a:t>
+            </a:r>
+            <a:r>
+              <a:rPr lang="en-US" dirty="0" smtClean="0">
+                <a:effectLst/>
+              </a:rPr>
+              <a:t> </a:t>
+            </a:r>
+            <a:endParaRPr lang="en-US" dirty="0"/>
+          </a:p>
+        </p:txBody>
+      </p:sp>
+      <p:pic>
+        <p:nvPicPr>
+          <p:cNvPr id="4" name="Picture 3"/>
+          <p:cNvPicPr/>
+          <p:nvPr/>
+        </p:nvPicPr>
+        <p:blipFill>
+          <a:blip r:embed="rId2"/>
+          <a:stretch>
+            <a:fillRect/>
+          </a:stretch>
+        </p:blipFill>
+        <p:spPr>
+          <a:xfrm>
+            <a:off x="2198912" y="3865698"/>
+            <a:ext cx="5878287" cy="1228816"/>
+          </a:xfrm>
+          <a:prstGeom prst="rect">
+            <a:avLst/>
+          </a:prstGeom>
+        </p:spPr>
+      </p:pic>
+    </p:spTree>
+    <p:extLst>
+      <p:ext uri="{BB962C8B-B14F-4D97-AF65-F5344CB8AC3E}">
+        <p14:creationId xmlns:p14="http://schemas.microsoft.com/office/powerpoint/2010/main" val="1685585376"/>
+      </p:ext>
+    </p:extLst>
+  </p:cSld>
+  <p:clrMapOvr>
+    <a:masterClrMapping/>
+  </p:clrMapOvr>
+</p:sld>
+</file>
+
 <file path=ppt/theme/theme1.xml><?xml version="1.0" encoding="utf-8"?>
 <a:theme xmlns:a="http://schemas.openxmlformats.org/drawingml/2006/main" name="Office Theme">
   <a:themeElements>

--- a/Midterm_Presentation.pptx
+++ b/Midterm_Presentation.pptx
@@ -9,6 +9,7 @@
     <p:sldId id="257" r:id="rId3"/>
     <p:sldId id="258" r:id="rId4"/>
     <p:sldId id="259" r:id="rId5"/>
+    <p:sldId id="260" r:id="rId6"/>
   </p:sldIdLst>
   <p:sldSz cx="12192000" cy="6858000"/>
   <p:notesSz cx="6858000" cy="9144000"/>
@@ -3912,6 +3913,105 @@
 </p:sld>
 </file>
 
+<file path=ppt/slides/slide5.xml><?xml version="1.0" encoding="utf-8"?>
+<p:sld xmlns:a="http://schemas.openxmlformats.org/drawingml/2006/main" xmlns:r="http://schemas.openxmlformats.org/officeDocument/2006/relationships" xmlns:p="http://schemas.openxmlformats.org/presentationml/2006/main">
+  <p:cSld>
+    <p:spTree>
+      <p:nvGrpSpPr>
+        <p:cNvPr id="1" name=""/>
+        <p:cNvGrpSpPr/>
+        <p:nvPr/>
+      </p:nvGrpSpPr>
+      <p:grpSpPr>
+        <a:xfrm>
+          <a:off x="0" y="0"/>
+          <a:ext cx="0" cy="0"/>
+          <a:chOff x="0" y="0"/>
+          <a:chExt cx="0" cy="0"/>
+        </a:xfrm>
+      </p:grpSpPr>
+      <p:sp>
+        <p:nvSpPr>
+          <p:cNvPr id="2" name="Title 1"/>
+          <p:cNvSpPr>
+            <a:spLocks noGrp="1"/>
+          </p:cNvSpPr>
+          <p:nvPr>
+            <p:ph type="title"/>
+          </p:nvPr>
+        </p:nvSpPr>
+        <p:spPr/>
+        <p:txBody>
+          <a:bodyPr/>
+          <a:lstStyle/>
+          <a:p>
+            <a:r>
+              <a:rPr lang="en-US" dirty="0"/>
+              <a:t>Progress </a:t>
+            </a:r>
+          </a:p>
+        </p:txBody>
+      </p:sp>
+      <p:sp>
+        <p:nvSpPr>
+          <p:cNvPr id="3" name="Content Placeholder 2"/>
+          <p:cNvSpPr>
+            <a:spLocks noGrp="1"/>
+          </p:cNvSpPr>
+          <p:nvPr>
+            <p:ph idx="1"/>
+          </p:nvPr>
+        </p:nvSpPr>
+        <p:spPr/>
+        <p:txBody>
+          <a:bodyPr/>
+          <a:lstStyle/>
+          <a:p>
+            <a:r>
+              <a:rPr lang="en-US" b="1" dirty="0"/>
+              <a:t>REPOSITORY</a:t>
+            </a:r>
+            <a:endParaRPr lang="en-US" dirty="0"/>
+          </a:p>
+          <a:p>
+            <a:pPr lvl="1"/>
+            <a:r>
+              <a:rPr lang="en-US" dirty="0"/>
+              <a:t>The repository we chose to use was </a:t>
+            </a:r>
+            <a:r>
+              <a:rPr lang="en-US" dirty="0" err="1" smtClean="0"/>
+              <a:t>git</a:t>
+            </a:r>
+            <a:endParaRPr lang="en-US" dirty="0"/>
+          </a:p>
+          <a:p>
+            <a:pPr lvl="1"/>
+            <a:r>
+              <a:rPr lang="en-US" dirty="0" smtClean="0"/>
+              <a:t>Remote repository hosted </a:t>
+            </a:r>
+            <a:r>
+              <a:rPr lang="en-US" smtClean="0"/>
+              <a:t>by GitHub</a:t>
+            </a:r>
+            <a:endParaRPr lang="en-US" dirty="0" smtClean="0"/>
+          </a:p>
+        </p:txBody>
+      </p:sp>
+    </p:spTree>
+    <p:extLst>
+      <p:ext uri="{BB962C8B-B14F-4D97-AF65-F5344CB8AC3E}">
+        <p14:creationId xmlns:p14="http://schemas.microsoft.com/office/powerpoint/2010/main" val="352970558"/>
+      </p:ext>
+    </p:extLst>
+  </p:cSld>
+  <p:clrMapOvr>
+    <a:masterClrMapping/>
+  </p:clrMapOvr>
+</p:sld>
+</file>
+
 <file path=ppt/theme/theme1.xml><?xml version="1.0" encoding="utf-8"?>
 <a:theme xmlns:a="http://schemas.openxmlformats.org/drawingml/2006/main" name="Office Theme">
   <a:themeElements>

--- a/Midterm_Presentation.pptx
+++ b/Midterm_Presentation.pptx
@@ -22,6 +22,7 @@
     <p:sldId id="267" r:id="rId17"/>
     <p:sldId id="268" r:id="rId18"/>
     <p:sldId id="269" r:id="rId19"/>
+    <p:sldId id="270" r:id="rId20"/>
   </p:sldIdLst>
   <p:sldSz cy="6858000" cx="12192000"/>
   <p:notesSz cx="6858000" cy="9144000"/>
@@ -971,12 +972,12 @@
 </p:notes>
 </file>
 
-<file path=ppt/notesSlides/notesSlide2.xml><?xml version="1.0" encoding="utf-8"?>
+<file path=ppt/notesSlides/notesSlide15.xml><?xml version="1.0" encoding="utf-8"?>
 <p:notes xmlns:a="http://schemas.openxmlformats.org/drawingml/2006/main" xmlns:r="http://schemas.openxmlformats.org/officeDocument/2006/relationships" xmlns:mc="http://schemas.openxmlformats.org/markup-compatibility/2006" xmlns:mv="urn:schemas-microsoft-com:mac:vml" xmlns:p="http://schemas.openxmlformats.org/presentationml/2006/main" xmlns:c="http://schemas.openxmlformats.org/drawingml/2006/chart" xmlns:dgm="http://schemas.openxmlformats.org/drawingml/2006/diagram" xmlns:o="urn:schemas-microsoft-com:office:office" xmlns:v="urn:schemas-microsoft-com:vml" xmlns:pvml="urn:schemas-microsoft-com:office:powerpoint" xmlns:com="http://schemas.openxmlformats.org/drawingml/2006/compatibility" xmlns:p14="http://schemas.microsoft.com/office/powerpoint/2010/main" xmlns:p15="http://schemas.microsoft.com/office/powerpoint/2012/main" showMasterPhAnim="0" showMasterSp="0">
   <p:cSld>
     <p:spTree>
       <p:nvGrpSpPr>
-        <p:cNvPr id="86" name="Shape 86"/>
+        <p:cNvPr id="162" name="Shape 162"/>
         <p:cNvGrpSpPr/>
         <p:nvPr/>
       </p:nvGrpSpPr>
@@ -990,7 +991,7 @@
       </p:grpSpPr>
       <p:sp>
         <p:nvSpPr>
-          <p:cNvPr id="87" name="Shape 87"/>
+          <p:cNvPr id="163" name="Shape 163"/>
           <p:cNvSpPr txBox="1"/>
           <p:nvPr>
             <p:ph idx="1" type="body"/>
@@ -1030,7 +1031,7 @@
       </p:sp>
       <p:sp>
         <p:nvSpPr>
-          <p:cNvPr id="88" name="Shape 88"/>
+          <p:cNvPr id="164" name="Shape 164"/>
           <p:cNvSpPr/>
           <p:nvPr>
             <p:ph idx="2" type="sldImg"/>
@@ -1061,6 +1062,101 @@
             </a:pathLst>
           </a:custGeom>
         </p:spPr>
+      </p:sp>
+    </p:spTree>
+  </p:cSld>
+  <p:clrMapOvr>
+    <a:masterClrMapping/>
+  </p:clrMapOvr>
+</p:notes>
+</file>
+
+<file path=ppt/notesSlides/notesSlide2.xml><?xml version="1.0" encoding="utf-8"?>
+<p:notes xmlns:a="http://schemas.openxmlformats.org/drawingml/2006/main" xmlns:r="http://schemas.openxmlformats.org/officeDocument/2006/relationships" xmlns:mc="http://schemas.openxmlformats.org/markup-compatibility/2006" xmlns:mv="urn:schemas-microsoft-com:mac:vml" xmlns:p="http://schemas.openxmlformats.org/presentationml/2006/main" xmlns:c="http://schemas.openxmlformats.org/drawingml/2006/chart" xmlns:dgm="http://schemas.openxmlformats.org/drawingml/2006/diagram" xmlns:o="urn:schemas-microsoft-com:office:office" xmlns:v="urn:schemas-microsoft-com:vml" xmlns:pvml="urn:schemas-microsoft-com:office:powerpoint" xmlns:com="http://schemas.openxmlformats.org/drawingml/2006/compatibility" xmlns:p14="http://schemas.microsoft.com/office/powerpoint/2010/main" xmlns:p15="http://schemas.microsoft.com/office/powerpoint/2012/main" showMasterPhAnim="0" showMasterSp="0">
+  <p:cSld>
+    <p:spTree>
+      <p:nvGrpSpPr>
+        <p:cNvPr id="86" name="Shape 86"/>
+        <p:cNvGrpSpPr/>
+        <p:nvPr/>
+      </p:nvGrpSpPr>
+      <p:grpSpPr>
+        <a:xfrm>
+          <a:off x="0" y="0"/>
+          <a:ext cx="0" cy="0"/>
+          <a:chOff x="0" y="0"/>
+          <a:chExt cx="0" cy="0"/>
+        </a:xfrm>
+      </p:grpSpPr>
+      <p:sp>
+        <p:nvSpPr>
+          <p:cNvPr id="87" name="Shape 87"/>
+          <p:cNvSpPr/>
+          <p:nvPr>
+            <p:ph idx="2" type="sldImg"/>
+          </p:nvPr>
+        </p:nvSpPr>
+        <p:spPr>
+          <a:xfrm>
+            <a:off x="1143225" y="685800"/>
+            <a:ext cx="4572300" cy="3429000"/>
+          </a:xfrm>
+          <a:custGeom>
+            <a:pathLst>
+              <a:path extrusionOk="0" h="120000" w="120000">
+                <a:moveTo>
+                  <a:pt x="0" y="0"/>
+                </a:moveTo>
+                <a:lnTo>
+                  <a:pt x="120000" y="0"/>
+                </a:lnTo>
+                <a:lnTo>
+                  <a:pt x="120000" y="120000"/>
+                </a:lnTo>
+                <a:lnTo>
+                  <a:pt x="0" y="120000"/>
+                </a:lnTo>
+                <a:close/>
+              </a:path>
+            </a:pathLst>
+          </a:custGeom>
+        </p:spPr>
+      </p:sp>
+      <p:sp>
+        <p:nvSpPr>
+          <p:cNvPr id="88" name="Shape 88"/>
+          <p:cNvSpPr txBox="1"/>
+          <p:nvPr>
+            <p:ph idx="1" type="body"/>
+          </p:nvPr>
+        </p:nvSpPr>
+        <p:spPr>
+          <a:xfrm>
+            <a:off x="685800" y="4343400"/>
+            <a:ext cx="5486400" cy="4114800"/>
+          </a:xfrm>
+          <a:prstGeom prst="rect">
+            <a:avLst/>
+          </a:prstGeom>
+        </p:spPr>
+        <p:txBody>
+          <a:bodyPr anchorCtr="0" anchor="t" bIns="91425" lIns="91425" rIns="91425" wrap="square" tIns="91425">
+            <a:noAutofit/>
+          </a:bodyPr>
+          <a:lstStyle/>
+          <a:p>
+            <a:pPr lvl="0" rtl="0">
+              <a:spcBef>
+                <a:spcPts val="0"/>
+              </a:spcBef>
+              <a:buNone/>
+            </a:pPr>
+            <a:r>
+              <a:t/>
+            </a:r>
+            <a:endParaRPr/>
+          </a:p>
+        </p:txBody>
       </p:sp>
     </p:spTree>
   </p:cSld>
@@ -11960,9 +12056,1340 @@
           <a:chExt cx="0" cy="0"/>
         </a:xfrm>
       </p:grpSpPr>
+      <p:sp>
+        <p:nvSpPr>
+          <p:cNvPr id="84" name="Shape 84"/>
+          <p:cNvSpPr txBox="1"/>
+          <p:nvPr>
+            <p:ph type="title"/>
+          </p:nvPr>
+        </p:nvSpPr>
+        <p:spPr>
+          <a:xfrm>
+            <a:off x="838200" y="365125"/>
+            <a:ext cx="10515600" cy="1325563"/>
+          </a:xfrm>
+          <a:prstGeom prst="rect">
+            <a:avLst/>
+          </a:prstGeom>
+          <a:noFill/>
+          <a:ln>
+            <a:noFill/>
+          </a:ln>
+        </p:spPr>
+        <p:txBody>
+          <a:bodyPr anchorCtr="0" anchor="ctr" bIns="45700" lIns="91425" rIns="91425" wrap="square" tIns="45700">
+            <a:noAutofit/>
+          </a:bodyPr>
+          <a:lstStyle/>
+          <a:p>
+            <a:pPr indent="-279400" lvl="0" marL="0" marR="0" rtl="0" algn="l">
+              <a:lnSpc>
+                <a:spcPct val="90000"/>
+              </a:lnSpc>
+              <a:spcBef>
+                <a:spcPts val="0"/>
+              </a:spcBef>
+              <a:buClr>
+                <a:schemeClr val="dk1"/>
+              </a:buClr>
+              <a:buSzPct val="100000"/>
+              <a:buFont typeface="Calibri"/>
+              <a:buNone/>
+            </a:pPr>
+            <a:r>
+              <a:rPr b="0" i="0" lang="en-US" sz="4400" u="none" cap="none" strike="noStrike">
+                <a:solidFill>
+                  <a:schemeClr val="dk1"/>
+                </a:solidFill>
+                <a:latin typeface="Calibri"/>
+                <a:ea typeface="Calibri"/>
+                <a:cs typeface="Calibri"/>
+                <a:sym typeface="Calibri"/>
+              </a:rPr>
+              <a:t>What is mutation testing?</a:t>
+            </a:r>
+          </a:p>
+        </p:txBody>
+      </p:sp>
+      <p:sp>
+        <p:nvSpPr>
+          <p:cNvPr id="85" name="Shape 85"/>
+          <p:cNvSpPr txBox="1"/>
+          <p:nvPr>
+            <p:ph idx="1" type="body"/>
+          </p:nvPr>
+        </p:nvSpPr>
+        <p:spPr>
+          <a:xfrm>
+            <a:off x="838200" y="1825625"/>
+            <a:ext cx="10515600" cy="4351338"/>
+          </a:xfrm>
+          <a:prstGeom prst="rect">
+            <a:avLst/>
+          </a:prstGeom>
+          <a:noFill/>
+          <a:ln>
+            <a:noFill/>
+          </a:ln>
+        </p:spPr>
+        <p:txBody>
+          <a:bodyPr anchorCtr="0" anchor="t" bIns="45700" lIns="91425" rIns="91425" wrap="square" tIns="45700">
+            <a:noAutofit/>
+          </a:bodyPr>
+          <a:lstStyle/>
+          <a:p>
+            <a:pPr indent="-228600" lvl="0" marL="228600" marR="0" rtl="0" algn="l">
+              <a:lnSpc>
+                <a:spcPct val="90000"/>
+              </a:lnSpc>
+              <a:spcBef>
+                <a:spcPts val="0"/>
+              </a:spcBef>
+              <a:spcAft>
+                <a:spcPts val="0"/>
+              </a:spcAft>
+              <a:buClr>
+                <a:schemeClr val="dk1"/>
+              </a:buClr>
+              <a:buSzPct val="100000"/>
+              <a:buFont typeface="Arial"/>
+              <a:buChar char="•"/>
+            </a:pPr>
+            <a:r>
+              <a:rPr b="0" i="0" lang="en-US" sz="2800" u="none" cap="none" strike="noStrike">
+                <a:solidFill>
+                  <a:schemeClr val="dk1"/>
+                </a:solidFill>
+                <a:latin typeface="Calibri"/>
+                <a:ea typeface="Calibri"/>
+                <a:cs typeface="Calibri"/>
+                <a:sym typeface="Calibri"/>
+              </a:rPr>
+              <a:t>A method of software quality control that tests the unit test suite defined for programs by artificially injecting errors, or mutations, into software.  </a:t>
+            </a:r>
+          </a:p>
+          <a:p>
+            <a:pPr indent="-228600" lvl="0" marL="228600" marR="0" rtl="0" algn="l">
+              <a:lnSpc>
+                <a:spcPct val="90000"/>
+              </a:lnSpc>
+              <a:spcBef>
+                <a:spcPts val="1000"/>
+              </a:spcBef>
+              <a:spcAft>
+                <a:spcPts val="0"/>
+              </a:spcAft>
+              <a:buClr>
+                <a:schemeClr val="dk1"/>
+              </a:buClr>
+              <a:buSzPct val="100000"/>
+              <a:buFont typeface="Arial"/>
+              <a:buChar char="•"/>
+            </a:pPr>
+            <a:r>
+              <a:rPr b="0" i="0" lang="en-US" sz="2800" u="none" cap="none" strike="noStrike">
+                <a:solidFill>
+                  <a:schemeClr val="dk1"/>
+                </a:solidFill>
+                <a:latin typeface="Calibri"/>
+                <a:ea typeface="Calibri"/>
+                <a:cs typeface="Calibri"/>
+                <a:sym typeface="Calibri"/>
+              </a:rPr>
+              <a:t>Tests are then executed to evaluate the quality of the test suite. </a:t>
+            </a:r>
+          </a:p>
+          <a:p>
+            <a:pPr indent="-228600" lvl="1" marL="685800" marR="0" rtl="0" algn="l">
+              <a:lnSpc>
+                <a:spcPct val="90000"/>
+              </a:lnSpc>
+              <a:spcBef>
+                <a:spcPts val="500"/>
+              </a:spcBef>
+              <a:spcAft>
+                <a:spcPts val="0"/>
+              </a:spcAft>
+              <a:buClr>
+                <a:schemeClr val="dk1"/>
+              </a:buClr>
+              <a:buSzPct val="100000"/>
+              <a:buFont typeface="Arial"/>
+              <a:buChar char="•"/>
+            </a:pPr>
+            <a:r>
+              <a:rPr b="0" i="0" lang="en-US" sz="2400" u="none" cap="none" strike="noStrike">
+                <a:solidFill>
+                  <a:schemeClr val="dk1"/>
+                </a:solidFill>
+                <a:latin typeface="Calibri"/>
+                <a:ea typeface="Calibri"/>
+                <a:cs typeface="Calibri"/>
+                <a:sym typeface="Calibri"/>
+              </a:rPr>
+              <a:t> If the mutations are detected, then the mutation is killed and the test suite is deemed adequate with respect to that section of code.  </a:t>
+            </a:r>
+          </a:p>
+          <a:p>
+            <a:pPr indent="-228600" lvl="1" marL="685800" marR="0" rtl="0" algn="l">
+              <a:lnSpc>
+                <a:spcPct val="90000"/>
+              </a:lnSpc>
+              <a:spcBef>
+                <a:spcPts val="500"/>
+              </a:spcBef>
+              <a:spcAft>
+                <a:spcPts val="0"/>
+              </a:spcAft>
+              <a:buClr>
+                <a:schemeClr val="dk1"/>
+              </a:buClr>
+              <a:buSzPct val="100000"/>
+              <a:buFont typeface="Arial"/>
+              <a:buChar char="•"/>
+            </a:pPr>
+            <a:r>
+              <a:rPr b="0" i="0" lang="en-US" sz="2400" u="none" cap="none" strike="noStrike">
+                <a:solidFill>
+                  <a:schemeClr val="dk1"/>
+                </a:solidFill>
+                <a:latin typeface="Calibri"/>
+                <a:ea typeface="Calibri"/>
+                <a:cs typeface="Calibri"/>
+                <a:sym typeface="Calibri"/>
+              </a:rPr>
+              <a:t>If the mutation is not detected, then it is said to have passed, and the test suite for that section of code is inadequate. </a:t>
+            </a:r>
+          </a:p>
+          <a:p>
+            <a:pPr indent="-228600" lvl="0" marL="228600" marR="0" rtl="0" algn="l">
+              <a:lnSpc>
+                <a:spcPct val="90000"/>
+              </a:lnSpc>
+              <a:spcBef>
+                <a:spcPts val="1000"/>
+              </a:spcBef>
+              <a:buClr>
+                <a:schemeClr val="dk1"/>
+              </a:buClr>
+              <a:buSzPct val="100000"/>
+              <a:buFont typeface="Arial"/>
+              <a:buNone/>
+            </a:pPr>
+            <a:r>
+              <a:t/>
+            </a:r>
+            <a:endParaRPr b="0" i="0" sz="2800" u="none" cap="none" strike="noStrike">
+              <a:solidFill>
+                <a:schemeClr val="dk1"/>
+              </a:solidFill>
+              <a:latin typeface="Calibri"/>
+              <a:ea typeface="Calibri"/>
+              <a:cs typeface="Calibri"/>
+              <a:sym typeface="Calibri"/>
+            </a:endParaRPr>
+          </a:p>
+        </p:txBody>
+      </p:sp>
+    </p:spTree>
+  </p:cSld>
+  <p:clrMapOvr>
+    <a:masterClrMapping/>
+  </p:clrMapOvr>
+</p:sld>
+</file>
+
+<file path=ppt/slides/slide10.xml><?xml version="1.0" encoding="utf-8"?>
+<p:sld xmlns:a="http://schemas.openxmlformats.org/drawingml/2006/main" xmlns:r="http://schemas.openxmlformats.org/officeDocument/2006/relationships" xmlns:mc="http://schemas.openxmlformats.org/markup-compatibility/2006" xmlns:mv="urn:schemas-microsoft-com:mac:vml" xmlns:p="http://schemas.openxmlformats.org/presentationml/2006/main" xmlns:c="http://schemas.openxmlformats.org/drawingml/2006/chart" xmlns:dgm="http://schemas.openxmlformats.org/drawingml/2006/diagram" xmlns:o="urn:schemas-microsoft-com:office:office" xmlns:v="urn:schemas-microsoft-com:vml" xmlns:pvml="urn:schemas-microsoft-com:office:powerpoint" xmlns:com="http://schemas.openxmlformats.org/drawingml/2006/compatibility" xmlns:p14="http://schemas.microsoft.com/office/powerpoint/2010/main" xmlns:p15="http://schemas.microsoft.com/office/powerpoint/2012/main">
+  <p:cSld>
+    <p:spTree>
+      <p:nvGrpSpPr>
+        <p:cNvPr id="137" name="Shape 137"/>
+        <p:cNvGrpSpPr/>
+        <p:nvPr/>
+      </p:nvGrpSpPr>
+      <p:grpSpPr>
+        <a:xfrm>
+          <a:off x="0" y="0"/>
+          <a:ext cx="0" cy="0"/>
+          <a:chOff x="0" y="0"/>
+          <a:chExt cx="0" cy="0"/>
+        </a:xfrm>
+      </p:grpSpPr>
+      <p:sp>
+        <p:nvSpPr>
+          <p:cNvPr id="138" name="Shape 138"/>
+          <p:cNvSpPr txBox="1"/>
+          <p:nvPr>
+            <p:ph type="title"/>
+          </p:nvPr>
+        </p:nvSpPr>
+        <p:spPr>
+          <a:xfrm>
+            <a:off x="838200" y="365125"/>
+            <a:ext cx="10515600" cy="1325700"/>
+          </a:xfrm>
+          <a:prstGeom prst="rect">
+            <a:avLst/>
+          </a:prstGeom>
+        </p:spPr>
+        <p:txBody>
+          <a:bodyPr anchorCtr="0" anchor="ctr" bIns="91425" lIns="91425" rIns="91425" wrap="square" tIns="91425">
+            <a:noAutofit/>
+          </a:bodyPr>
+          <a:lstStyle/>
+          <a:p>
+            <a:pPr lvl="0">
+              <a:spcBef>
+                <a:spcPts val="0"/>
+              </a:spcBef>
+              <a:buNone/>
+            </a:pPr>
+            <a:r>
+              <a:t/>
+            </a:r>
+            <a:endParaRPr/>
+          </a:p>
+          <a:p>
+            <a:pPr lvl="0">
+              <a:spcBef>
+                <a:spcPts val="0"/>
+              </a:spcBef>
+              <a:buClr>
+                <a:schemeClr val="dk1"/>
+              </a:buClr>
+              <a:buSzPct val="36666"/>
+              <a:buFont typeface="Arial"/>
+              <a:buNone/>
+            </a:pPr>
+            <a:r>
+              <a:rPr b="1" lang="en-US" sz="3000"/>
+              <a:t>ENSURE WE ARE ABLE TO BUILD A MODIFIED VERSION OF PIT</a:t>
+            </a:r>
+          </a:p>
+          <a:p>
+            <a:pPr lvl="0">
+              <a:spcBef>
+                <a:spcPts val="0"/>
+              </a:spcBef>
+              <a:buNone/>
+            </a:pPr>
+            <a:r>
+              <a:t/>
+            </a:r>
+            <a:endParaRPr/>
+          </a:p>
+        </p:txBody>
+      </p:sp>
+      <p:sp>
+        <p:nvSpPr>
+          <p:cNvPr id="139" name="Shape 139"/>
+          <p:cNvSpPr txBox="1"/>
+          <p:nvPr>
+            <p:ph idx="1" type="body"/>
+          </p:nvPr>
+        </p:nvSpPr>
+        <p:spPr>
+          <a:xfrm>
+            <a:off x="838200" y="1825625"/>
+            <a:ext cx="10515600" cy="4351200"/>
+          </a:xfrm>
+          <a:prstGeom prst="rect">
+            <a:avLst/>
+          </a:prstGeom>
+        </p:spPr>
+        <p:txBody>
+          <a:bodyPr anchorCtr="0" anchor="t" bIns="91425" lIns="91425" rIns="91425" wrap="square" tIns="91425">
+            <a:noAutofit/>
+          </a:bodyPr>
+          <a:lstStyle/>
+          <a:p>
+            <a:pPr indent="-381000" lvl="0" marL="457200" rtl="0">
+              <a:spcBef>
+                <a:spcPts val="0"/>
+              </a:spcBef>
+              <a:spcAft>
+                <a:spcPts val="1000"/>
+              </a:spcAft>
+              <a:buSzPct val="100000"/>
+            </a:pPr>
+            <a:r>
+              <a:rPr lang="en-US" sz="2400"/>
+              <a:t>After downloading PIT we needed to be sure we were comfortable with the build process that would need to be completed after making the modifications necessary to augment with additional operators</a:t>
+            </a:r>
+          </a:p>
+          <a:p>
+            <a:pPr indent="-381000" lvl="0" marL="457200" rtl="0">
+              <a:spcBef>
+                <a:spcPts val="0"/>
+              </a:spcBef>
+              <a:spcAft>
+                <a:spcPts val="1000"/>
+              </a:spcAft>
+              <a:buSzPct val="100000"/>
+            </a:pPr>
+            <a:r>
+              <a:rPr lang="en-US" sz="2400"/>
+              <a:t>To complete this a group member located the existing mutation operators in the PIT source code and completed two of the additions from our original proposal</a:t>
+            </a:r>
+          </a:p>
+          <a:p>
+            <a:pPr indent="-381000" lvl="0" marL="457200">
+              <a:spcBef>
+                <a:spcPts val="0"/>
+              </a:spcBef>
+              <a:buSzPct val="100000"/>
+            </a:pPr>
+            <a:r>
+              <a:rPr lang="en-US" sz="2400"/>
+              <a:t>After modifying the source code for PIT and adding two additional operators the group member was able to rebuild PIT using tools available in the IntelliJ IDE</a:t>
+            </a:r>
+          </a:p>
+        </p:txBody>
+      </p:sp>
+    </p:spTree>
+  </p:cSld>
+  <p:clrMapOvr>
+    <a:masterClrMapping/>
+  </p:clrMapOvr>
+</p:sld>
+</file>
+
+<file path=ppt/slides/slide11.xml><?xml version="1.0" encoding="utf-8"?>
+<p:sld xmlns:a="http://schemas.openxmlformats.org/drawingml/2006/main" xmlns:r="http://schemas.openxmlformats.org/officeDocument/2006/relationships" xmlns:mc="http://schemas.openxmlformats.org/markup-compatibility/2006" xmlns:mv="urn:schemas-microsoft-com:mac:vml" xmlns:p="http://schemas.openxmlformats.org/presentationml/2006/main" xmlns:c="http://schemas.openxmlformats.org/drawingml/2006/chart" xmlns:dgm="http://schemas.openxmlformats.org/drawingml/2006/diagram" xmlns:o="urn:schemas-microsoft-com:office:office" xmlns:v="urn:schemas-microsoft-com:vml" xmlns:pvml="urn:schemas-microsoft-com:office:powerpoint" xmlns:com="http://schemas.openxmlformats.org/drawingml/2006/compatibility" xmlns:p14="http://schemas.microsoft.com/office/powerpoint/2010/main" xmlns:p15="http://schemas.microsoft.com/office/powerpoint/2012/main">
+  <p:cSld>
+    <p:spTree>
+      <p:nvGrpSpPr>
+        <p:cNvPr id="143" name="Shape 143"/>
+        <p:cNvGrpSpPr/>
+        <p:nvPr/>
+      </p:nvGrpSpPr>
+      <p:grpSpPr>
+        <a:xfrm>
+          <a:off x="0" y="0"/>
+          <a:ext cx="0" cy="0"/>
+          <a:chOff x="0" y="0"/>
+          <a:chExt cx="0" cy="0"/>
+        </a:xfrm>
+      </p:grpSpPr>
+      <p:sp>
+        <p:nvSpPr>
+          <p:cNvPr id="144" name="Shape 144"/>
+          <p:cNvSpPr txBox="1"/>
+          <p:nvPr>
+            <p:ph type="title"/>
+          </p:nvPr>
+        </p:nvSpPr>
+        <p:spPr>
+          <a:xfrm>
+            <a:off x="838200" y="365125"/>
+            <a:ext cx="10515600" cy="1325700"/>
+          </a:xfrm>
+          <a:prstGeom prst="rect">
+            <a:avLst/>
+          </a:prstGeom>
+        </p:spPr>
+        <p:txBody>
+          <a:bodyPr anchorCtr="0" anchor="ctr" bIns="91425" lIns="91425" rIns="91425" wrap="square" tIns="91425">
+            <a:noAutofit/>
+          </a:bodyPr>
+          <a:lstStyle/>
+          <a:p>
+            <a:pPr lvl="0">
+              <a:spcBef>
+                <a:spcPts val="0"/>
+              </a:spcBef>
+              <a:buNone/>
+            </a:pPr>
+            <a:r>
+              <a:rPr lang="en-US"/>
+              <a:t>Future Plan</a:t>
+            </a:r>
+          </a:p>
+        </p:txBody>
+      </p:sp>
+      <p:sp>
+        <p:nvSpPr>
+          <p:cNvPr id="145" name="Shape 145"/>
+          <p:cNvSpPr txBox="1"/>
+          <p:nvPr>
+            <p:ph idx="1" type="body"/>
+          </p:nvPr>
+        </p:nvSpPr>
+        <p:spPr>
+          <a:xfrm>
+            <a:off x="838200" y="1825625"/>
+            <a:ext cx="10515600" cy="4351200"/>
+          </a:xfrm>
+          <a:prstGeom prst="rect">
+            <a:avLst/>
+          </a:prstGeom>
+        </p:spPr>
+        <p:txBody>
+          <a:bodyPr anchorCtr="0" anchor="t" bIns="91425" lIns="91425" rIns="91425" wrap="square" tIns="91425">
+            <a:noAutofit/>
+          </a:bodyPr>
+          <a:lstStyle/>
+          <a:p>
+            <a:pPr indent="-381000" lvl="0" marL="457200" rtl="0">
+              <a:spcBef>
+                <a:spcPts val="0"/>
+              </a:spcBef>
+              <a:buSzPct val="100000"/>
+            </a:pPr>
+            <a:r>
+              <a:rPr lang="en-US" sz="2400"/>
+              <a:t>Aim is to  complete the augmentation of PIT and finally running more than 50 tests with it on no less than five real world projects from Github with at least 1000 lines of code or more</a:t>
+            </a:r>
+          </a:p>
+          <a:p>
+            <a:pPr indent="-381000" lvl="0" marL="457200" rtl="0">
+              <a:spcBef>
+                <a:spcPts val="0"/>
+              </a:spcBef>
+              <a:spcAft>
+                <a:spcPts val="1000"/>
+              </a:spcAft>
+              <a:buSzPct val="100000"/>
+            </a:pPr>
+            <a:r>
+              <a:rPr lang="en-US" sz="2400"/>
+              <a:t>Steps we will take to complete the remainder of this project follow:</a:t>
+            </a:r>
+          </a:p>
+          <a:p>
+            <a:pPr indent="-381000" lvl="0" marL="914400" rtl="0">
+              <a:spcBef>
+                <a:spcPts val="0"/>
+              </a:spcBef>
+              <a:buSzPct val="100000"/>
+              <a:buFont typeface="Calibri"/>
+              <a:buAutoNum type="arabicPeriod"/>
+            </a:pPr>
+            <a:r>
+              <a:rPr lang="en-US" sz="2400"/>
+              <a:t>Choose a project off of Github to test the modified PIT build on</a:t>
+            </a:r>
+          </a:p>
+          <a:p>
+            <a:pPr indent="-381000" lvl="0" marL="914400" rtl="0">
+              <a:spcBef>
+                <a:spcPts val="0"/>
+              </a:spcBef>
+              <a:buSzPct val="100000"/>
+              <a:buFont typeface="Calibri"/>
+              <a:buAutoNum type="arabicPeriod"/>
+            </a:pPr>
+            <a:r>
+              <a:rPr lang="en-US" sz="2400"/>
+              <a:t>Complete the augmentation of PIT</a:t>
+            </a:r>
+          </a:p>
+          <a:p>
+            <a:pPr indent="-381000" lvl="0" marL="914400" rtl="0">
+              <a:spcBef>
+                <a:spcPts val="0"/>
+              </a:spcBef>
+              <a:buSzPct val="100000"/>
+              <a:buFont typeface="Calibri"/>
+              <a:buAutoNum type="arabicPeriod"/>
+            </a:pPr>
+            <a:r>
+              <a:rPr lang="en-US" sz="2400"/>
+              <a:t>Identify 7-10 real world projects that will be used to evaluate the augmented PIT</a:t>
+            </a:r>
+          </a:p>
+          <a:p>
+            <a:pPr indent="-381000" lvl="0" marL="914400" rtl="0">
+              <a:spcBef>
+                <a:spcPts val="0"/>
+              </a:spcBef>
+              <a:buSzPct val="100000"/>
+              <a:buFont typeface="Calibri"/>
+              <a:buAutoNum type="arabicPeriod"/>
+            </a:pPr>
+            <a:r>
+              <a:rPr lang="en-US" sz="2400"/>
+              <a:t>Complete and log evaluations on 5 of the real world projects chosen in 3	</a:t>
+            </a:r>
+          </a:p>
+          <a:p>
+            <a:pPr indent="-381000" lvl="0" marL="914400" rtl="0">
+              <a:spcBef>
+                <a:spcPts val="0"/>
+              </a:spcBef>
+              <a:buSzPct val="100000"/>
+              <a:buFont typeface="Calibri"/>
+              <a:buAutoNum type="arabicPeriod"/>
+            </a:pPr>
+            <a:r>
+              <a:rPr lang="en-US" sz="2400"/>
+              <a:t>Report on our findings</a:t>
+            </a:r>
+          </a:p>
+        </p:txBody>
+      </p:sp>
+    </p:spTree>
+  </p:cSld>
+  <p:clrMapOvr>
+    <a:masterClrMapping/>
+  </p:clrMapOvr>
+</p:sld>
+</file>
+
+<file path=ppt/slides/slide12.xml><?xml version="1.0" encoding="utf-8"?>
+<p:sld xmlns:a="http://schemas.openxmlformats.org/drawingml/2006/main" xmlns:r="http://schemas.openxmlformats.org/officeDocument/2006/relationships" xmlns:mc="http://schemas.openxmlformats.org/markup-compatibility/2006" xmlns:mv="urn:schemas-microsoft-com:mac:vml" xmlns:p="http://schemas.openxmlformats.org/presentationml/2006/main" xmlns:c="http://schemas.openxmlformats.org/drawingml/2006/chart" xmlns:dgm="http://schemas.openxmlformats.org/drawingml/2006/diagram" xmlns:o="urn:schemas-microsoft-com:office:office" xmlns:v="urn:schemas-microsoft-com:vml" xmlns:pvml="urn:schemas-microsoft-com:office:powerpoint" xmlns:com="http://schemas.openxmlformats.org/drawingml/2006/compatibility" xmlns:p14="http://schemas.microsoft.com/office/powerpoint/2010/main" xmlns:p15="http://schemas.microsoft.com/office/powerpoint/2012/main">
+  <p:cSld>
+    <p:spTree>
+      <p:nvGrpSpPr>
+        <p:cNvPr id="149" name="Shape 149"/>
+        <p:cNvGrpSpPr/>
+        <p:nvPr/>
+      </p:nvGrpSpPr>
+      <p:grpSpPr>
+        <a:xfrm>
+          <a:off x="0" y="0"/>
+          <a:ext cx="0" cy="0"/>
+          <a:chOff x="0" y="0"/>
+          <a:chExt cx="0" cy="0"/>
+        </a:xfrm>
+      </p:grpSpPr>
+      <p:sp>
+        <p:nvSpPr>
+          <p:cNvPr id="150" name="Shape 150"/>
+          <p:cNvSpPr txBox="1"/>
+          <p:nvPr/>
+        </p:nvSpPr>
+        <p:spPr>
+          <a:xfrm>
+            <a:off x="776125" y="303950"/>
+            <a:ext cx="10687800" cy="6311100"/>
+          </a:xfrm>
+          <a:prstGeom prst="rect">
+            <a:avLst/>
+          </a:prstGeom>
+          <a:noFill/>
+          <a:ln>
+            <a:noFill/>
+          </a:ln>
+        </p:spPr>
+        <p:txBody>
+          <a:bodyPr anchorCtr="0" anchor="t" bIns="91425" lIns="91425" rIns="91425" wrap="square" tIns="91425">
+            <a:noAutofit/>
+          </a:bodyPr>
+          <a:lstStyle/>
+          <a:p>
+            <a:pPr lvl="0" rtl="0">
+              <a:lnSpc>
+                <a:spcPct val="115000"/>
+              </a:lnSpc>
+              <a:spcBef>
+                <a:spcPts val="0"/>
+              </a:spcBef>
+              <a:buNone/>
+            </a:pPr>
+            <a:r>
+              <a:rPr b="1" lang="en-US" sz="2200">
+                <a:solidFill>
+                  <a:schemeClr val="dk1"/>
+                </a:solidFill>
+                <a:latin typeface="Calibri"/>
+                <a:ea typeface="Calibri"/>
+                <a:cs typeface="Calibri"/>
+                <a:sym typeface="Calibri"/>
+              </a:rPr>
+              <a:t>1. CHOOSE A PROJECT OFF OF GITHUB TO TEST THE MODIFIED PIT BUILD ON</a:t>
+            </a:r>
+          </a:p>
+          <a:p>
+            <a:pPr indent="0" lvl="0" marL="457200" rtl="0">
+              <a:lnSpc>
+                <a:spcPct val="115000"/>
+              </a:lnSpc>
+              <a:spcBef>
+                <a:spcPts val="0"/>
+              </a:spcBef>
+              <a:spcAft>
+                <a:spcPts val="1000"/>
+              </a:spcAft>
+              <a:buNone/>
+            </a:pPr>
+            <a:r>
+              <a:rPr lang="en-US" sz="2000">
+                <a:solidFill>
+                  <a:schemeClr val="dk1"/>
+                </a:solidFill>
+                <a:latin typeface="Calibri"/>
+                <a:ea typeface="Calibri"/>
+                <a:cs typeface="Calibri"/>
+                <a:sym typeface="Calibri"/>
+              </a:rPr>
+              <a:t>➢The purpose is to find a small project that we can use to validate the modifications we make to the PIT source code</a:t>
+            </a:r>
+          </a:p>
+          <a:p>
+            <a:pPr lvl="0" rtl="0">
+              <a:lnSpc>
+                <a:spcPct val="115000"/>
+              </a:lnSpc>
+              <a:spcBef>
+                <a:spcPts val="0"/>
+              </a:spcBef>
+              <a:spcAft>
+                <a:spcPts val="1000"/>
+              </a:spcAft>
+              <a:buNone/>
+            </a:pPr>
+            <a:r>
+              <a:rPr lang="en-US" sz="2400">
+                <a:solidFill>
+                  <a:schemeClr val="dk1"/>
+                </a:solidFill>
+                <a:latin typeface="Calibri"/>
+                <a:ea typeface="Calibri"/>
+                <a:cs typeface="Calibri"/>
+                <a:sym typeface="Calibri"/>
+              </a:rPr>
+              <a:t>2. </a:t>
+            </a:r>
+            <a:r>
+              <a:rPr b="1" lang="en-US" sz="2200">
+                <a:solidFill>
+                  <a:schemeClr val="dk1"/>
+                </a:solidFill>
+                <a:latin typeface="Calibri"/>
+                <a:ea typeface="Calibri"/>
+                <a:cs typeface="Calibri"/>
+                <a:sym typeface="Calibri"/>
+              </a:rPr>
+              <a:t>COMPLETE THE AUGMENTATION OF PIT</a:t>
+            </a:r>
+          </a:p>
+          <a:p>
+            <a:pPr indent="457200" lvl="0" rtl="0">
+              <a:lnSpc>
+                <a:spcPct val="115000"/>
+              </a:lnSpc>
+              <a:spcBef>
+                <a:spcPts val="0"/>
+              </a:spcBef>
+              <a:spcAft>
+                <a:spcPts val="1000"/>
+              </a:spcAft>
+              <a:buNone/>
+            </a:pPr>
+            <a:r>
+              <a:rPr lang="en-US" sz="2000">
+                <a:solidFill>
+                  <a:schemeClr val="dk1"/>
+                </a:solidFill>
+                <a:latin typeface="Calibri"/>
+                <a:ea typeface="Calibri"/>
+                <a:cs typeface="Calibri"/>
+                <a:sym typeface="Calibri"/>
+              </a:rPr>
+              <a:t>➢We intend on adding all of the additions included in our original proposal to PIT</a:t>
+            </a:r>
+          </a:p>
+          <a:p>
+            <a:pPr lvl="0" rtl="0">
+              <a:lnSpc>
+                <a:spcPct val="115000"/>
+              </a:lnSpc>
+              <a:spcBef>
+                <a:spcPts val="0"/>
+              </a:spcBef>
+              <a:spcAft>
+                <a:spcPts val="1000"/>
+              </a:spcAft>
+              <a:buNone/>
+            </a:pPr>
+            <a:r>
+              <a:rPr lang="en-US" sz="2400">
+                <a:solidFill>
+                  <a:schemeClr val="dk1"/>
+                </a:solidFill>
+                <a:latin typeface="Calibri"/>
+                <a:ea typeface="Calibri"/>
+                <a:cs typeface="Calibri"/>
+                <a:sym typeface="Calibri"/>
+              </a:rPr>
+              <a:t>3. </a:t>
+            </a:r>
+            <a:r>
+              <a:rPr b="1" lang="en-US" sz="2200">
+                <a:solidFill>
+                  <a:schemeClr val="dk1"/>
+                </a:solidFill>
+                <a:latin typeface="Calibri"/>
+                <a:ea typeface="Calibri"/>
+                <a:cs typeface="Calibri"/>
+                <a:sym typeface="Calibri"/>
+              </a:rPr>
+              <a:t>IDENTIFY 7-10 REAL WORLD PROJECTS THAT WILL BE USED TO EVALUATE THE AUGMENTED PIT</a:t>
+            </a:r>
+          </a:p>
+          <a:p>
+            <a:pPr indent="0" lvl="0" marL="457200" rtl="0">
+              <a:lnSpc>
+                <a:spcPct val="115000"/>
+              </a:lnSpc>
+              <a:spcBef>
+                <a:spcPts val="0"/>
+              </a:spcBef>
+              <a:spcAft>
+                <a:spcPts val="1000"/>
+              </a:spcAft>
+              <a:buNone/>
+            </a:pPr>
+            <a:r>
+              <a:rPr lang="en-US" sz="2000">
+                <a:solidFill>
+                  <a:schemeClr val="dk1"/>
+                </a:solidFill>
+                <a:latin typeface="Calibri"/>
+                <a:ea typeface="Calibri"/>
+                <a:cs typeface="Calibri"/>
+                <a:sym typeface="Calibri"/>
+              </a:rPr>
+              <a:t>➢We intend on locating 7-10 viable projects , while only 5 are required, because we want to be sure we have additional projects ready if one of the five we need to use is not compatible with PIT</a:t>
+            </a:r>
+          </a:p>
+          <a:p>
+            <a:pPr lvl="0" rtl="0">
+              <a:lnSpc>
+                <a:spcPct val="115000"/>
+              </a:lnSpc>
+              <a:spcBef>
+                <a:spcPts val="0"/>
+              </a:spcBef>
+              <a:spcAft>
+                <a:spcPts val="1000"/>
+              </a:spcAft>
+              <a:buNone/>
+            </a:pPr>
+            <a:r>
+              <a:rPr lang="en-US" sz="2400">
+                <a:solidFill>
+                  <a:schemeClr val="dk1"/>
+                </a:solidFill>
+                <a:latin typeface="Calibri"/>
+                <a:ea typeface="Calibri"/>
+                <a:cs typeface="Calibri"/>
+                <a:sym typeface="Calibri"/>
+              </a:rPr>
+              <a:t>4. </a:t>
+            </a:r>
+            <a:r>
+              <a:rPr b="1" lang="en-US" sz="2200">
+                <a:solidFill>
+                  <a:schemeClr val="dk1"/>
+                </a:solidFill>
+                <a:latin typeface="Calibri"/>
+                <a:ea typeface="Calibri"/>
+                <a:cs typeface="Calibri"/>
+                <a:sym typeface="Calibri"/>
+              </a:rPr>
+              <a:t>COMPLETE AND LOG EVALUATIONS ON 5 OF THE REAL WORLD PROJECTS CHOSEN IN C</a:t>
+            </a:r>
+          </a:p>
+          <a:p>
+            <a:pPr indent="457200" lvl="0" rtl="0">
+              <a:lnSpc>
+                <a:spcPct val="115000"/>
+              </a:lnSpc>
+              <a:spcBef>
+                <a:spcPts val="0"/>
+              </a:spcBef>
+              <a:spcAft>
+                <a:spcPts val="1000"/>
+              </a:spcAft>
+              <a:buNone/>
+            </a:pPr>
+            <a:r>
+              <a:rPr lang="en-US" sz="2000">
+                <a:solidFill>
+                  <a:schemeClr val="dk1"/>
+                </a:solidFill>
+                <a:latin typeface="Calibri"/>
+                <a:ea typeface="Calibri"/>
+                <a:cs typeface="Calibri"/>
+                <a:sym typeface="Calibri"/>
+              </a:rPr>
+              <a:t>➢To complete the evaluations of the real world projects using our augmented PIT</a:t>
+            </a:r>
+          </a:p>
+          <a:p>
+            <a:pPr lvl="0" rtl="0">
+              <a:lnSpc>
+                <a:spcPct val="115000"/>
+              </a:lnSpc>
+              <a:spcBef>
+                <a:spcPts val="0"/>
+              </a:spcBef>
+              <a:buNone/>
+            </a:pPr>
+            <a:r>
+              <a:rPr lang="en-US" sz="2200">
+                <a:solidFill>
+                  <a:schemeClr val="dk1"/>
+                </a:solidFill>
+                <a:latin typeface="Calibri"/>
+                <a:ea typeface="Calibri"/>
+                <a:cs typeface="Calibri"/>
+                <a:sym typeface="Calibri"/>
+              </a:rPr>
+              <a:t>5. </a:t>
+            </a:r>
+            <a:r>
+              <a:rPr b="1" lang="en-US" sz="2200">
+                <a:solidFill>
+                  <a:schemeClr val="dk1"/>
+                </a:solidFill>
+                <a:latin typeface="Calibri"/>
+                <a:ea typeface="Calibri"/>
+                <a:cs typeface="Calibri"/>
+                <a:sym typeface="Calibri"/>
+              </a:rPr>
+              <a:t>REPORT ON OUR FINDINGS</a:t>
+            </a:r>
+          </a:p>
+          <a:p>
+            <a:pPr indent="457200" lvl="0" rtl="0">
+              <a:lnSpc>
+                <a:spcPct val="115000"/>
+              </a:lnSpc>
+              <a:spcBef>
+                <a:spcPts val="0"/>
+              </a:spcBef>
+              <a:buNone/>
+            </a:pPr>
+            <a:r>
+              <a:rPr lang="en-US" sz="2000">
+                <a:solidFill>
+                  <a:schemeClr val="dk1"/>
+                </a:solidFill>
+                <a:latin typeface="Calibri"/>
+                <a:ea typeface="Calibri"/>
+                <a:cs typeface="Calibri"/>
+                <a:sym typeface="Calibri"/>
+              </a:rPr>
+              <a:t>➢We compile our logs into a final report intended for submission</a:t>
+            </a:r>
+          </a:p>
+          <a:p>
+            <a:pPr indent="0" lvl="0" marL="0" rtl="0">
+              <a:spcBef>
+                <a:spcPts val="0"/>
+              </a:spcBef>
+              <a:spcAft>
+                <a:spcPts val="1000"/>
+              </a:spcAft>
+              <a:buNone/>
+            </a:pPr>
+            <a:r>
+              <a:t/>
+            </a:r>
+            <a:endParaRPr sz="2200">
+              <a:solidFill>
+                <a:schemeClr val="dk1"/>
+              </a:solidFill>
+              <a:latin typeface="Calibri"/>
+              <a:ea typeface="Calibri"/>
+              <a:cs typeface="Calibri"/>
+              <a:sym typeface="Calibri"/>
+            </a:endParaRPr>
+          </a:p>
+          <a:p>
+            <a:pPr lvl="0" rtl="0">
+              <a:spcBef>
+                <a:spcPts val="0"/>
+              </a:spcBef>
+              <a:buNone/>
+            </a:pPr>
+            <a:r>
+              <a:t/>
+            </a:r>
+            <a:endParaRPr sz="2400">
+              <a:solidFill>
+                <a:schemeClr val="dk1"/>
+              </a:solidFill>
+              <a:latin typeface="Calibri"/>
+              <a:ea typeface="Calibri"/>
+              <a:cs typeface="Calibri"/>
+              <a:sym typeface="Calibri"/>
+            </a:endParaRPr>
+          </a:p>
+          <a:p>
+            <a:pPr lvl="0">
+              <a:spcBef>
+                <a:spcPts val="0"/>
+              </a:spcBef>
+              <a:buNone/>
+            </a:pPr>
+            <a:r>
+              <a:t/>
+            </a:r>
+            <a:endParaRPr sz="2400">
+              <a:solidFill>
+                <a:schemeClr val="dk1"/>
+              </a:solidFill>
+              <a:latin typeface="Calibri"/>
+              <a:ea typeface="Calibri"/>
+              <a:cs typeface="Calibri"/>
+              <a:sym typeface="Calibri"/>
+            </a:endParaRPr>
+          </a:p>
+        </p:txBody>
+      </p:sp>
+    </p:spTree>
+  </p:cSld>
+  <p:clrMapOvr>
+    <a:masterClrMapping/>
+  </p:clrMapOvr>
+</p:sld>
+</file>
+
+<file path=ppt/slides/slide13.xml><?xml version="1.0" encoding="utf-8"?>
+<p:sld xmlns:a="http://schemas.openxmlformats.org/drawingml/2006/main" xmlns:r="http://schemas.openxmlformats.org/officeDocument/2006/relationships" xmlns:mc="http://schemas.openxmlformats.org/markup-compatibility/2006" xmlns:mv="urn:schemas-microsoft-com:mac:vml" xmlns:p="http://schemas.openxmlformats.org/presentationml/2006/main" xmlns:c="http://schemas.openxmlformats.org/drawingml/2006/chart" xmlns:dgm="http://schemas.openxmlformats.org/drawingml/2006/diagram" xmlns:o="urn:schemas-microsoft-com:office:office" xmlns:v="urn:schemas-microsoft-com:vml" xmlns:pvml="urn:schemas-microsoft-com:office:powerpoint" xmlns:com="http://schemas.openxmlformats.org/drawingml/2006/compatibility" xmlns:p14="http://schemas.microsoft.com/office/powerpoint/2010/main" xmlns:p15="http://schemas.microsoft.com/office/powerpoint/2012/main">
+  <p:cSld>
+    <p:spTree>
+      <p:nvGrpSpPr>
+        <p:cNvPr id="154" name="Shape 154"/>
+        <p:cNvGrpSpPr/>
+        <p:nvPr/>
+      </p:nvGrpSpPr>
+      <p:grpSpPr>
+        <a:xfrm>
+          <a:off x="0" y="0"/>
+          <a:ext cx="0" cy="0"/>
+          <a:chOff x="0" y="0"/>
+          <a:chExt cx="0" cy="0"/>
+        </a:xfrm>
+      </p:grpSpPr>
+      <p:sp>
+        <p:nvSpPr>
+          <p:cNvPr id="155" name="Shape 155"/>
+          <p:cNvSpPr txBox="1"/>
+          <p:nvPr>
+            <p:ph type="title"/>
+          </p:nvPr>
+        </p:nvSpPr>
+        <p:spPr>
+          <a:xfrm>
+            <a:off x="838200" y="288925"/>
+            <a:ext cx="10515600" cy="1325700"/>
+          </a:xfrm>
+          <a:prstGeom prst="rect">
+            <a:avLst/>
+          </a:prstGeom>
+        </p:spPr>
+        <p:txBody>
+          <a:bodyPr anchorCtr="0" anchor="ctr" bIns="91425" lIns="91425" rIns="91425" wrap="square" tIns="91425">
+            <a:noAutofit/>
+          </a:bodyPr>
+          <a:lstStyle/>
+          <a:p>
+            <a:pPr lvl="0">
+              <a:spcBef>
+                <a:spcPts val="0"/>
+              </a:spcBef>
+              <a:buNone/>
+            </a:pPr>
+            <a:r>
+              <a:rPr lang="en-US"/>
+              <a:t>References</a:t>
+            </a:r>
+          </a:p>
+        </p:txBody>
+      </p:sp>
+      <p:sp>
+        <p:nvSpPr>
+          <p:cNvPr id="156" name="Shape 156"/>
+          <p:cNvSpPr txBox="1"/>
+          <p:nvPr>
+            <p:ph idx="1" type="body"/>
+          </p:nvPr>
+        </p:nvSpPr>
+        <p:spPr>
+          <a:xfrm>
+            <a:off x="838200" y="1495375"/>
+            <a:ext cx="10515600" cy="4351200"/>
+          </a:xfrm>
+          <a:prstGeom prst="rect">
+            <a:avLst/>
+          </a:prstGeom>
+        </p:spPr>
+        <p:txBody>
+          <a:bodyPr anchorCtr="0" anchor="t" bIns="91425" lIns="91425" rIns="91425" wrap="square" tIns="91425">
+            <a:noAutofit/>
+          </a:bodyPr>
+          <a:lstStyle/>
+          <a:p>
+            <a:pPr indent="0" lvl="0" marL="0" rtl="0">
+              <a:lnSpc>
+                <a:spcPct val="100000"/>
+              </a:lnSpc>
+              <a:spcBef>
+                <a:spcPts val="0"/>
+              </a:spcBef>
+              <a:buNone/>
+            </a:pPr>
+            <a:r>
+              <a:t/>
+            </a:r>
+            <a:endParaRPr sz="2400">
+              <a:solidFill>
+                <a:srgbClr val="000000"/>
+              </a:solidFill>
+            </a:endParaRPr>
+          </a:p>
+          <a:p>
+            <a:pPr indent="-381000" lvl="0" marL="457200" rtl="0">
+              <a:lnSpc>
+                <a:spcPct val="100000"/>
+              </a:lnSpc>
+              <a:spcBef>
+                <a:spcPts val="1000"/>
+              </a:spcBef>
+              <a:spcAft>
+                <a:spcPts val="0"/>
+              </a:spcAft>
+              <a:buSzPct val="100000"/>
+              <a:buAutoNum type="arabicPeriod"/>
+            </a:pPr>
+            <a:r>
+              <a:rPr lang="en-US" sz="2400">
+                <a:solidFill>
+                  <a:srgbClr val="000000"/>
+                </a:solidFill>
+              </a:rPr>
+              <a:t>H. Coles. 2017. “PIT.” Retrieved from</a:t>
+            </a:r>
+            <a:r>
+              <a:rPr lang="en-US" sz="2400">
+                <a:solidFill>
+                  <a:srgbClr val="000000"/>
+                </a:solidFill>
+                <a:hlinkClick r:id="rId3"/>
+              </a:rPr>
+              <a:t> </a:t>
+            </a:r>
+            <a:r>
+              <a:rPr lang="en-US" sz="2400" u="sng">
+                <a:solidFill>
+                  <a:schemeClr val="hlink"/>
+                </a:solidFill>
+                <a:highlight>
+                  <a:srgbClr val="DDDDDD"/>
+                </a:highlight>
+                <a:hlinkClick r:id="rId4"/>
+              </a:rPr>
+              <a:t>http://pitest.org/</a:t>
+            </a:r>
+          </a:p>
+          <a:p>
+            <a:pPr indent="0" lvl="0" marL="0" rtl="0">
+              <a:lnSpc>
+                <a:spcPct val="100000"/>
+              </a:lnSpc>
+              <a:spcBef>
+                <a:spcPts val="1000"/>
+              </a:spcBef>
+              <a:spcAft>
+                <a:spcPts val="0"/>
+              </a:spcAft>
+              <a:buNone/>
+            </a:pPr>
+            <a:r>
+              <a:t/>
+            </a:r>
+            <a:endParaRPr sz="2400">
+              <a:solidFill>
+                <a:srgbClr val="000000"/>
+              </a:solidFill>
+            </a:endParaRPr>
+          </a:p>
+          <a:p>
+            <a:pPr indent="-381000" lvl="0" marL="457200" rtl="0">
+              <a:lnSpc>
+                <a:spcPct val="100000"/>
+              </a:lnSpc>
+              <a:spcBef>
+                <a:spcPts val="0"/>
+              </a:spcBef>
+              <a:buClr>
+                <a:srgbClr val="000000"/>
+              </a:buClr>
+              <a:buSzPct val="100000"/>
+              <a:buAutoNum type="arabicPeriod"/>
+            </a:pPr>
+            <a:r>
+              <a:rPr lang="en-US" sz="2400">
+                <a:solidFill>
+                  <a:srgbClr val="000000"/>
+                </a:solidFill>
+              </a:rPr>
+              <a:t>Coles, Henry, Thomas Laurent, Christopher Henard, Mike Papadakis, and Anthony Ventresque. "PIT: a practical mutation testing tool for Java." In Proceedings of the 25th International Symposium on Software Testing and Analysis, pp. 449-452. ACM, 2016.</a:t>
+            </a:r>
+          </a:p>
+          <a:p>
+            <a:pPr indent="0" lvl="0" marL="0" rtl="0">
+              <a:lnSpc>
+                <a:spcPct val="100000"/>
+              </a:lnSpc>
+              <a:spcBef>
+                <a:spcPts val="0"/>
+              </a:spcBef>
+              <a:buNone/>
+            </a:pPr>
+            <a:r>
+              <a:rPr lang="en-US" sz="1400">
+                <a:solidFill>
+                  <a:srgbClr val="000000"/>
+                </a:solidFill>
+                <a:latin typeface="Arial"/>
+                <a:ea typeface="Arial"/>
+                <a:cs typeface="Arial"/>
+                <a:sym typeface="Arial"/>
+              </a:rPr>
+              <a:t> </a:t>
+            </a:r>
+          </a:p>
+          <a:p>
+            <a:pPr indent="0" lvl="0" marL="0" rtl="0">
+              <a:lnSpc>
+                <a:spcPct val="100000"/>
+              </a:lnSpc>
+              <a:spcBef>
+                <a:spcPts val="0"/>
+              </a:spcBef>
+              <a:buNone/>
+            </a:pPr>
+            <a:r>
+              <a:rPr lang="en-US" sz="1400">
+                <a:solidFill>
+                  <a:srgbClr val="000000"/>
+                </a:solidFill>
+                <a:latin typeface="Arial"/>
+                <a:ea typeface="Arial"/>
+                <a:cs typeface="Arial"/>
+                <a:sym typeface="Arial"/>
+              </a:rPr>
+              <a:t> </a:t>
+            </a:r>
+          </a:p>
+          <a:p>
+            <a:pPr lvl="0">
+              <a:spcBef>
+                <a:spcPts val="0"/>
+              </a:spcBef>
+              <a:buNone/>
+            </a:pPr>
+            <a:r>
+              <a:t/>
+            </a:r>
+            <a:endParaRPr/>
+          </a:p>
+        </p:txBody>
+      </p:sp>
+    </p:spTree>
+  </p:cSld>
+  <p:clrMapOvr>
+    <a:masterClrMapping/>
+  </p:clrMapOvr>
+</p:sld>
+</file>
+
+<file path=ppt/slides/slide14.xml><?xml version="1.0" encoding="utf-8"?>
+<p:sld xmlns:a="http://schemas.openxmlformats.org/drawingml/2006/main" xmlns:r="http://schemas.openxmlformats.org/officeDocument/2006/relationships" xmlns:mc="http://schemas.openxmlformats.org/markup-compatibility/2006" xmlns:mv="urn:schemas-microsoft-com:mac:vml" xmlns:p="http://schemas.openxmlformats.org/presentationml/2006/main" xmlns:c="http://schemas.openxmlformats.org/drawingml/2006/chart" xmlns:dgm="http://schemas.openxmlformats.org/drawingml/2006/diagram" xmlns:o="urn:schemas-microsoft-com:office:office" xmlns:v="urn:schemas-microsoft-com:vml" xmlns:pvml="urn:schemas-microsoft-com:office:powerpoint" xmlns:com="http://schemas.openxmlformats.org/drawingml/2006/compatibility" xmlns:p14="http://schemas.microsoft.com/office/powerpoint/2010/main" xmlns:p15="http://schemas.microsoft.com/office/powerpoint/2012/main">
+  <p:cSld>
+    <p:spTree>
+      <p:nvGrpSpPr>
+        <p:cNvPr id="160" name="Shape 160"/>
+        <p:cNvGrpSpPr/>
+        <p:nvPr/>
+      </p:nvGrpSpPr>
+      <p:grpSpPr>
+        <a:xfrm>
+          <a:off x="0" y="0"/>
+          <a:ext cx="0" cy="0"/>
+          <a:chOff x="0" y="0"/>
+          <a:chExt cx="0" cy="0"/>
+        </a:xfrm>
+      </p:grpSpPr>
+      <p:sp>
+        <p:nvSpPr>
+          <p:cNvPr id="161" name="Shape 161"/>
+          <p:cNvSpPr txBox="1"/>
+          <p:nvPr/>
+        </p:nvSpPr>
+        <p:spPr>
+          <a:xfrm>
+            <a:off x="3498975" y="2416075"/>
+            <a:ext cx="5369400" cy="1552200"/>
+          </a:xfrm>
+          <a:prstGeom prst="rect">
+            <a:avLst/>
+          </a:prstGeom>
+          <a:noFill/>
+          <a:ln>
+            <a:noFill/>
+          </a:ln>
+        </p:spPr>
+        <p:txBody>
+          <a:bodyPr anchorCtr="0" anchor="t" bIns="91425" lIns="91425" rIns="91425" wrap="square" tIns="91425">
+            <a:noAutofit/>
+          </a:bodyPr>
+          <a:lstStyle/>
+          <a:p>
+            <a:pPr lvl="0" algn="ctr">
+              <a:spcBef>
+                <a:spcPts val="0"/>
+              </a:spcBef>
+              <a:buNone/>
+            </a:pPr>
+            <a:r>
+              <a:rPr lang="en-US" sz="6000">
+                <a:latin typeface="Calibri"/>
+                <a:ea typeface="Calibri"/>
+                <a:cs typeface="Calibri"/>
+                <a:sym typeface="Calibri"/>
+              </a:rPr>
+              <a:t>THANK YOU!</a:t>
+            </a:r>
+          </a:p>
+        </p:txBody>
+      </p:sp>
+    </p:spTree>
+  </p:cSld>
+  <p:clrMapOvr>
+    <a:masterClrMapping/>
+  </p:clrMapOvr>
+</p:sld>
+</file>
+
+<file path=ppt/slides/slide15.xml><?xml version="1.0" encoding="utf-8"?>
+<p:sld xmlns:a="http://schemas.openxmlformats.org/drawingml/2006/main" xmlns:r="http://schemas.openxmlformats.org/officeDocument/2006/relationships" xmlns:mc="http://schemas.openxmlformats.org/markup-compatibility/2006" xmlns:mv="urn:schemas-microsoft-com:mac:vml" xmlns:p="http://schemas.openxmlformats.org/presentationml/2006/main" xmlns:c="http://schemas.openxmlformats.org/drawingml/2006/chart" xmlns:dgm="http://schemas.openxmlformats.org/drawingml/2006/diagram" xmlns:o="urn:schemas-microsoft-com:office:office" xmlns:v="urn:schemas-microsoft-com:vml" xmlns:pvml="urn:schemas-microsoft-com:office:powerpoint" xmlns:com="http://schemas.openxmlformats.org/drawingml/2006/compatibility" xmlns:p14="http://schemas.microsoft.com/office/powerpoint/2010/main" xmlns:p15="http://schemas.microsoft.com/office/powerpoint/2012/main">
+  <p:cSld>
+    <p:spTree>
+      <p:nvGrpSpPr>
+        <p:cNvPr id="165" name="Shape 165"/>
+        <p:cNvGrpSpPr/>
+        <p:nvPr/>
+      </p:nvGrpSpPr>
+      <p:grpSpPr>
+        <a:xfrm>
+          <a:off x="0" y="0"/>
+          <a:ext cx="0" cy="0"/>
+          <a:chOff x="0" y="0"/>
+          <a:chExt cx="0" cy="0"/>
+        </a:xfrm>
+      </p:grpSpPr>
       <p:graphicFrame>
         <p:nvGraphicFramePr>
-          <p:cNvPr id="84" name="Shape 84"/>
+          <p:cNvPr id="166" name="Shape 166"/>
           <p:cNvGraphicFramePr/>
           <p:nvPr/>
         </p:nvGraphicFramePr>
@@ -11975,7 +13402,7 @@
             <a:tbl>
               <a:tblPr>
                 <a:noFill/>
-                <a:tableStyleId>{CC756578-A34F-4941-952F-37BAE78CBF0E}</a:tableStyleId>
+                <a:tableStyleId>{CE4F383D-385B-40AB-9D57-F229ABA9D80C}</a:tableStyleId>
               </a:tblPr>
               <a:tblGrid>
                 <a:gridCol w="3062250"/>
@@ -12176,7 +13603,7 @@
       </p:graphicFrame>
       <p:sp>
         <p:nvSpPr>
-          <p:cNvPr id="85" name="Shape 85"/>
+          <p:cNvPr id="167" name="Shape 167"/>
           <p:cNvSpPr txBox="1"/>
           <p:nvPr>
             <p:ph type="ctrTitle"/>
@@ -12282,1076 +13709,6 @@
               <a:cs typeface="Arial"/>
               <a:sym typeface="Arial"/>
             </a:endParaRPr>
-          </a:p>
-        </p:txBody>
-      </p:sp>
-    </p:spTree>
-  </p:cSld>
-  <p:clrMapOvr>
-    <a:masterClrMapping/>
-  </p:clrMapOvr>
-</p:sld>
-</file>
-
-<file path=ppt/slides/slide10.xml><?xml version="1.0" encoding="utf-8"?>
-<p:sld xmlns:a="http://schemas.openxmlformats.org/drawingml/2006/main" xmlns:r="http://schemas.openxmlformats.org/officeDocument/2006/relationships" xmlns:mc="http://schemas.openxmlformats.org/markup-compatibility/2006" xmlns:mv="urn:schemas-microsoft-com:mac:vml" xmlns:p="http://schemas.openxmlformats.org/presentationml/2006/main" xmlns:c="http://schemas.openxmlformats.org/drawingml/2006/chart" xmlns:dgm="http://schemas.openxmlformats.org/drawingml/2006/diagram" xmlns:o="urn:schemas-microsoft-com:office:office" xmlns:v="urn:schemas-microsoft-com:vml" xmlns:pvml="urn:schemas-microsoft-com:office:powerpoint" xmlns:com="http://schemas.openxmlformats.org/drawingml/2006/compatibility" xmlns:p14="http://schemas.microsoft.com/office/powerpoint/2010/main" xmlns:p15="http://schemas.microsoft.com/office/powerpoint/2012/main">
-  <p:cSld>
-    <p:spTree>
-      <p:nvGrpSpPr>
-        <p:cNvPr id="137" name="Shape 137"/>
-        <p:cNvGrpSpPr/>
-        <p:nvPr/>
-      </p:nvGrpSpPr>
-      <p:grpSpPr>
-        <a:xfrm>
-          <a:off x="0" y="0"/>
-          <a:ext cx="0" cy="0"/>
-          <a:chOff x="0" y="0"/>
-          <a:chExt cx="0" cy="0"/>
-        </a:xfrm>
-      </p:grpSpPr>
-      <p:sp>
-        <p:nvSpPr>
-          <p:cNvPr id="138" name="Shape 138"/>
-          <p:cNvSpPr txBox="1"/>
-          <p:nvPr>
-            <p:ph type="title"/>
-          </p:nvPr>
-        </p:nvSpPr>
-        <p:spPr>
-          <a:xfrm>
-            <a:off x="838200" y="365125"/>
-            <a:ext cx="10515600" cy="1325700"/>
-          </a:xfrm>
-          <a:prstGeom prst="rect">
-            <a:avLst/>
-          </a:prstGeom>
-        </p:spPr>
-        <p:txBody>
-          <a:bodyPr anchorCtr="0" anchor="ctr" bIns="91425" lIns="91425" rIns="91425" wrap="square" tIns="91425">
-            <a:noAutofit/>
-          </a:bodyPr>
-          <a:lstStyle/>
-          <a:p>
-            <a:pPr lvl="0">
-              <a:spcBef>
-                <a:spcPts val="0"/>
-              </a:spcBef>
-              <a:buNone/>
-            </a:pPr>
-            <a:r>
-              <a:t/>
-            </a:r>
-            <a:endParaRPr/>
-          </a:p>
-          <a:p>
-            <a:pPr lvl="0">
-              <a:spcBef>
-                <a:spcPts val="0"/>
-              </a:spcBef>
-              <a:buClr>
-                <a:schemeClr val="dk1"/>
-              </a:buClr>
-              <a:buSzPct val="36666"/>
-              <a:buFont typeface="Arial"/>
-              <a:buNone/>
-            </a:pPr>
-            <a:r>
-              <a:rPr b="1" lang="en-US" sz="3000"/>
-              <a:t>ENSURE WE ARE ABLE TO BUILD A MODIFIED VERSION OF PIT</a:t>
-            </a:r>
-          </a:p>
-          <a:p>
-            <a:pPr lvl="0">
-              <a:spcBef>
-                <a:spcPts val="0"/>
-              </a:spcBef>
-              <a:buNone/>
-            </a:pPr>
-            <a:r>
-              <a:t/>
-            </a:r>
-            <a:endParaRPr/>
-          </a:p>
-        </p:txBody>
-      </p:sp>
-      <p:sp>
-        <p:nvSpPr>
-          <p:cNvPr id="139" name="Shape 139"/>
-          <p:cNvSpPr txBox="1"/>
-          <p:nvPr>
-            <p:ph idx="1" type="body"/>
-          </p:nvPr>
-        </p:nvSpPr>
-        <p:spPr>
-          <a:xfrm>
-            <a:off x="838200" y="1825625"/>
-            <a:ext cx="10515600" cy="4351200"/>
-          </a:xfrm>
-          <a:prstGeom prst="rect">
-            <a:avLst/>
-          </a:prstGeom>
-        </p:spPr>
-        <p:txBody>
-          <a:bodyPr anchorCtr="0" anchor="t" bIns="91425" lIns="91425" rIns="91425" wrap="square" tIns="91425">
-            <a:noAutofit/>
-          </a:bodyPr>
-          <a:lstStyle/>
-          <a:p>
-            <a:pPr indent="-381000" lvl="0" marL="457200" rtl="0">
-              <a:spcBef>
-                <a:spcPts val="0"/>
-              </a:spcBef>
-              <a:spcAft>
-                <a:spcPts val="1000"/>
-              </a:spcAft>
-              <a:buSzPct val="100000"/>
-            </a:pPr>
-            <a:r>
-              <a:rPr lang="en-US" sz="2400"/>
-              <a:t>After downloading PIT we needed to be sure we were comfortable with the build process that would need to be completed after making the modifications necessary to augment with additional operators</a:t>
-            </a:r>
-          </a:p>
-          <a:p>
-            <a:pPr indent="-381000" lvl="0" marL="457200" rtl="0">
-              <a:spcBef>
-                <a:spcPts val="0"/>
-              </a:spcBef>
-              <a:spcAft>
-                <a:spcPts val="1000"/>
-              </a:spcAft>
-              <a:buSzPct val="100000"/>
-            </a:pPr>
-            <a:r>
-              <a:rPr lang="en-US" sz="2400"/>
-              <a:t>To complete this a group member located the existing mutation operators in the PIT source code and completed two of the additions from our original proposal</a:t>
-            </a:r>
-          </a:p>
-          <a:p>
-            <a:pPr indent="-381000" lvl="0" marL="457200">
-              <a:spcBef>
-                <a:spcPts val="0"/>
-              </a:spcBef>
-              <a:buSzPct val="100000"/>
-            </a:pPr>
-            <a:r>
-              <a:rPr lang="en-US" sz="2400"/>
-              <a:t>After modifying the source code for PIT and adding two additional operators the group member was able to rebuild PIT using tools available in the IntelliJ IDE</a:t>
-            </a:r>
-          </a:p>
-        </p:txBody>
-      </p:sp>
-    </p:spTree>
-  </p:cSld>
-  <p:clrMapOvr>
-    <a:masterClrMapping/>
-  </p:clrMapOvr>
-</p:sld>
-</file>
-
-<file path=ppt/slides/slide11.xml><?xml version="1.0" encoding="utf-8"?>
-<p:sld xmlns:a="http://schemas.openxmlformats.org/drawingml/2006/main" xmlns:r="http://schemas.openxmlformats.org/officeDocument/2006/relationships" xmlns:mc="http://schemas.openxmlformats.org/markup-compatibility/2006" xmlns:mv="urn:schemas-microsoft-com:mac:vml" xmlns:p="http://schemas.openxmlformats.org/presentationml/2006/main" xmlns:c="http://schemas.openxmlformats.org/drawingml/2006/chart" xmlns:dgm="http://schemas.openxmlformats.org/drawingml/2006/diagram" xmlns:o="urn:schemas-microsoft-com:office:office" xmlns:v="urn:schemas-microsoft-com:vml" xmlns:pvml="urn:schemas-microsoft-com:office:powerpoint" xmlns:com="http://schemas.openxmlformats.org/drawingml/2006/compatibility" xmlns:p14="http://schemas.microsoft.com/office/powerpoint/2010/main" xmlns:p15="http://schemas.microsoft.com/office/powerpoint/2012/main">
-  <p:cSld>
-    <p:spTree>
-      <p:nvGrpSpPr>
-        <p:cNvPr id="143" name="Shape 143"/>
-        <p:cNvGrpSpPr/>
-        <p:nvPr/>
-      </p:nvGrpSpPr>
-      <p:grpSpPr>
-        <a:xfrm>
-          <a:off x="0" y="0"/>
-          <a:ext cx="0" cy="0"/>
-          <a:chOff x="0" y="0"/>
-          <a:chExt cx="0" cy="0"/>
-        </a:xfrm>
-      </p:grpSpPr>
-      <p:sp>
-        <p:nvSpPr>
-          <p:cNvPr id="144" name="Shape 144"/>
-          <p:cNvSpPr txBox="1"/>
-          <p:nvPr>
-            <p:ph type="title"/>
-          </p:nvPr>
-        </p:nvSpPr>
-        <p:spPr>
-          <a:xfrm>
-            <a:off x="838200" y="365125"/>
-            <a:ext cx="10515600" cy="1325700"/>
-          </a:xfrm>
-          <a:prstGeom prst="rect">
-            <a:avLst/>
-          </a:prstGeom>
-        </p:spPr>
-        <p:txBody>
-          <a:bodyPr anchorCtr="0" anchor="ctr" bIns="91425" lIns="91425" rIns="91425" wrap="square" tIns="91425">
-            <a:noAutofit/>
-          </a:bodyPr>
-          <a:lstStyle/>
-          <a:p>
-            <a:pPr lvl="0">
-              <a:spcBef>
-                <a:spcPts val="0"/>
-              </a:spcBef>
-              <a:buNone/>
-            </a:pPr>
-            <a:r>
-              <a:rPr lang="en-US"/>
-              <a:t>Future Plan</a:t>
-            </a:r>
-          </a:p>
-        </p:txBody>
-      </p:sp>
-      <p:sp>
-        <p:nvSpPr>
-          <p:cNvPr id="145" name="Shape 145"/>
-          <p:cNvSpPr txBox="1"/>
-          <p:nvPr>
-            <p:ph idx="1" type="body"/>
-          </p:nvPr>
-        </p:nvSpPr>
-        <p:spPr>
-          <a:xfrm>
-            <a:off x="838200" y="1825625"/>
-            <a:ext cx="10515600" cy="4351200"/>
-          </a:xfrm>
-          <a:prstGeom prst="rect">
-            <a:avLst/>
-          </a:prstGeom>
-        </p:spPr>
-        <p:txBody>
-          <a:bodyPr anchorCtr="0" anchor="t" bIns="91425" lIns="91425" rIns="91425" wrap="square" tIns="91425">
-            <a:noAutofit/>
-          </a:bodyPr>
-          <a:lstStyle/>
-          <a:p>
-            <a:pPr indent="-381000" lvl="0" marL="457200" rtl="0">
-              <a:spcBef>
-                <a:spcPts val="0"/>
-              </a:spcBef>
-              <a:buSzPct val="100000"/>
-            </a:pPr>
-            <a:r>
-              <a:rPr lang="en-US" sz="2400"/>
-              <a:t>Aim is to  complete the augmentation of PIT and finally running more than 50 tests with it on no less than five real world projects from Github with at least 1000 lines of code or more</a:t>
-            </a:r>
-          </a:p>
-          <a:p>
-            <a:pPr indent="-381000" lvl="0" marL="457200" rtl="0">
-              <a:spcBef>
-                <a:spcPts val="0"/>
-              </a:spcBef>
-              <a:spcAft>
-                <a:spcPts val="1000"/>
-              </a:spcAft>
-              <a:buSzPct val="100000"/>
-            </a:pPr>
-            <a:r>
-              <a:rPr lang="en-US" sz="2400"/>
-              <a:t>Steps we will take to complete the remainder of this project follow:</a:t>
-            </a:r>
-          </a:p>
-          <a:p>
-            <a:pPr indent="-381000" lvl="0" marL="914400" rtl="0">
-              <a:spcBef>
-                <a:spcPts val="0"/>
-              </a:spcBef>
-              <a:buSzPct val="100000"/>
-              <a:buFont typeface="Calibri"/>
-              <a:buAutoNum type="arabicPeriod"/>
-            </a:pPr>
-            <a:r>
-              <a:rPr lang="en-US" sz="2400"/>
-              <a:t>Choose a project off of Github to test the modified PIT build on</a:t>
-            </a:r>
-          </a:p>
-          <a:p>
-            <a:pPr indent="-381000" lvl="0" marL="914400" rtl="0">
-              <a:spcBef>
-                <a:spcPts val="0"/>
-              </a:spcBef>
-              <a:buSzPct val="100000"/>
-              <a:buFont typeface="Calibri"/>
-              <a:buAutoNum type="arabicPeriod"/>
-            </a:pPr>
-            <a:r>
-              <a:rPr lang="en-US" sz="2400"/>
-              <a:t>Complete the augmentation of PIT</a:t>
-            </a:r>
-          </a:p>
-          <a:p>
-            <a:pPr indent="-381000" lvl="0" marL="914400" rtl="0">
-              <a:spcBef>
-                <a:spcPts val="0"/>
-              </a:spcBef>
-              <a:buSzPct val="100000"/>
-              <a:buFont typeface="Calibri"/>
-              <a:buAutoNum type="arabicPeriod"/>
-            </a:pPr>
-            <a:r>
-              <a:rPr lang="en-US" sz="2400"/>
-              <a:t>Identify 7-10 real world projects that will be used to evaluate the augmented PIT</a:t>
-            </a:r>
-          </a:p>
-          <a:p>
-            <a:pPr indent="-381000" lvl="0" marL="914400" rtl="0">
-              <a:spcBef>
-                <a:spcPts val="0"/>
-              </a:spcBef>
-              <a:buSzPct val="100000"/>
-              <a:buFont typeface="Calibri"/>
-              <a:buAutoNum type="arabicPeriod"/>
-            </a:pPr>
-            <a:r>
-              <a:rPr lang="en-US" sz="2400"/>
-              <a:t>Complete and log evaluations on 5 of the real world projects chosen in C	</a:t>
-            </a:r>
-          </a:p>
-          <a:p>
-            <a:pPr indent="-381000" lvl="0" marL="914400" rtl="0">
-              <a:spcBef>
-                <a:spcPts val="0"/>
-              </a:spcBef>
-              <a:buSzPct val="100000"/>
-              <a:buFont typeface="Calibri"/>
-              <a:buAutoNum type="arabicPeriod"/>
-            </a:pPr>
-            <a:r>
-              <a:rPr lang="en-US" sz="2400"/>
-              <a:t>Report on our findings</a:t>
-            </a:r>
-          </a:p>
-        </p:txBody>
-      </p:sp>
-    </p:spTree>
-  </p:cSld>
-  <p:clrMapOvr>
-    <a:masterClrMapping/>
-  </p:clrMapOvr>
-</p:sld>
-</file>
-
-<file path=ppt/slides/slide12.xml><?xml version="1.0" encoding="utf-8"?>
-<p:sld xmlns:a="http://schemas.openxmlformats.org/drawingml/2006/main" xmlns:r="http://schemas.openxmlformats.org/officeDocument/2006/relationships" xmlns:mc="http://schemas.openxmlformats.org/markup-compatibility/2006" xmlns:mv="urn:schemas-microsoft-com:mac:vml" xmlns:p="http://schemas.openxmlformats.org/presentationml/2006/main" xmlns:c="http://schemas.openxmlformats.org/drawingml/2006/chart" xmlns:dgm="http://schemas.openxmlformats.org/drawingml/2006/diagram" xmlns:o="urn:schemas-microsoft-com:office:office" xmlns:v="urn:schemas-microsoft-com:vml" xmlns:pvml="urn:schemas-microsoft-com:office:powerpoint" xmlns:com="http://schemas.openxmlformats.org/drawingml/2006/compatibility" xmlns:p14="http://schemas.microsoft.com/office/powerpoint/2010/main" xmlns:p15="http://schemas.microsoft.com/office/powerpoint/2012/main">
-  <p:cSld>
-    <p:spTree>
-      <p:nvGrpSpPr>
-        <p:cNvPr id="149" name="Shape 149"/>
-        <p:cNvGrpSpPr/>
-        <p:nvPr/>
-      </p:nvGrpSpPr>
-      <p:grpSpPr>
-        <a:xfrm>
-          <a:off x="0" y="0"/>
-          <a:ext cx="0" cy="0"/>
-          <a:chOff x="0" y="0"/>
-          <a:chExt cx="0" cy="0"/>
-        </a:xfrm>
-      </p:grpSpPr>
-      <p:sp>
-        <p:nvSpPr>
-          <p:cNvPr id="150" name="Shape 150"/>
-          <p:cNvSpPr txBox="1"/>
-          <p:nvPr/>
-        </p:nvSpPr>
-        <p:spPr>
-          <a:xfrm>
-            <a:off x="776125" y="303950"/>
-            <a:ext cx="10687800" cy="6311100"/>
-          </a:xfrm>
-          <a:prstGeom prst="rect">
-            <a:avLst/>
-          </a:prstGeom>
-          <a:noFill/>
-          <a:ln>
-            <a:noFill/>
-          </a:ln>
-        </p:spPr>
-        <p:txBody>
-          <a:bodyPr anchorCtr="0" anchor="t" bIns="91425" lIns="91425" rIns="91425" wrap="square" tIns="91425">
-            <a:noAutofit/>
-          </a:bodyPr>
-          <a:lstStyle/>
-          <a:p>
-            <a:pPr lvl="0" rtl="0">
-              <a:lnSpc>
-                <a:spcPct val="115000"/>
-              </a:lnSpc>
-              <a:spcBef>
-                <a:spcPts val="0"/>
-              </a:spcBef>
-              <a:buNone/>
-            </a:pPr>
-            <a:r>
-              <a:rPr b="1" lang="en-US" sz="2200">
-                <a:solidFill>
-                  <a:schemeClr val="dk1"/>
-                </a:solidFill>
-                <a:latin typeface="Calibri"/>
-                <a:ea typeface="Calibri"/>
-                <a:cs typeface="Calibri"/>
-                <a:sym typeface="Calibri"/>
-              </a:rPr>
-              <a:t>1. CHOOSE A PROJECT OFF OF GITHUB TO TEST THE MODIFIED PIT BUILD ON</a:t>
-            </a:r>
-          </a:p>
-          <a:p>
-            <a:pPr indent="0" lvl="0" marL="457200" rtl="0">
-              <a:lnSpc>
-                <a:spcPct val="115000"/>
-              </a:lnSpc>
-              <a:spcBef>
-                <a:spcPts val="0"/>
-              </a:spcBef>
-              <a:spcAft>
-                <a:spcPts val="1000"/>
-              </a:spcAft>
-              <a:buNone/>
-            </a:pPr>
-            <a:r>
-              <a:rPr lang="en-US" sz="2000">
-                <a:solidFill>
-                  <a:schemeClr val="dk1"/>
-                </a:solidFill>
-                <a:latin typeface="Calibri"/>
-                <a:ea typeface="Calibri"/>
-                <a:cs typeface="Calibri"/>
-                <a:sym typeface="Calibri"/>
-              </a:rPr>
-              <a:t>➢The purpose is to find a small project that we can use to validate the modifications we make to the PIT source code</a:t>
-            </a:r>
-          </a:p>
-          <a:p>
-            <a:pPr lvl="0" rtl="0">
-              <a:lnSpc>
-                <a:spcPct val="115000"/>
-              </a:lnSpc>
-              <a:spcBef>
-                <a:spcPts val="0"/>
-              </a:spcBef>
-              <a:spcAft>
-                <a:spcPts val="1000"/>
-              </a:spcAft>
-              <a:buNone/>
-            </a:pPr>
-            <a:r>
-              <a:rPr lang="en-US" sz="2400">
-                <a:solidFill>
-                  <a:schemeClr val="dk1"/>
-                </a:solidFill>
-                <a:latin typeface="Calibri"/>
-                <a:ea typeface="Calibri"/>
-                <a:cs typeface="Calibri"/>
-                <a:sym typeface="Calibri"/>
-              </a:rPr>
-              <a:t>2. </a:t>
-            </a:r>
-            <a:r>
-              <a:rPr b="1" lang="en-US" sz="2200">
-                <a:solidFill>
-                  <a:schemeClr val="dk1"/>
-                </a:solidFill>
-                <a:latin typeface="Calibri"/>
-                <a:ea typeface="Calibri"/>
-                <a:cs typeface="Calibri"/>
-                <a:sym typeface="Calibri"/>
-              </a:rPr>
-              <a:t>COMPLETE THE AUGMENTATION OF PIT</a:t>
-            </a:r>
-          </a:p>
-          <a:p>
-            <a:pPr indent="457200" lvl="0" rtl="0">
-              <a:lnSpc>
-                <a:spcPct val="115000"/>
-              </a:lnSpc>
-              <a:spcBef>
-                <a:spcPts val="0"/>
-              </a:spcBef>
-              <a:spcAft>
-                <a:spcPts val="1000"/>
-              </a:spcAft>
-              <a:buNone/>
-            </a:pPr>
-            <a:r>
-              <a:rPr lang="en-US" sz="2000">
-                <a:solidFill>
-                  <a:schemeClr val="dk1"/>
-                </a:solidFill>
-                <a:latin typeface="Calibri"/>
-                <a:ea typeface="Calibri"/>
-                <a:cs typeface="Calibri"/>
-                <a:sym typeface="Calibri"/>
-              </a:rPr>
-              <a:t>➢we intend on adding all of the additions included in our original proposal to PIT</a:t>
-            </a:r>
-          </a:p>
-          <a:p>
-            <a:pPr lvl="0" rtl="0">
-              <a:lnSpc>
-                <a:spcPct val="115000"/>
-              </a:lnSpc>
-              <a:spcBef>
-                <a:spcPts val="0"/>
-              </a:spcBef>
-              <a:spcAft>
-                <a:spcPts val="1000"/>
-              </a:spcAft>
-              <a:buNone/>
-            </a:pPr>
-            <a:r>
-              <a:rPr lang="en-US" sz="2400">
-                <a:solidFill>
-                  <a:schemeClr val="dk1"/>
-                </a:solidFill>
-                <a:latin typeface="Calibri"/>
-                <a:ea typeface="Calibri"/>
-                <a:cs typeface="Calibri"/>
-                <a:sym typeface="Calibri"/>
-              </a:rPr>
-              <a:t>3. </a:t>
-            </a:r>
-            <a:r>
-              <a:rPr b="1" lang="en-US" sz="2200">
-                <a:solidFill>
-                  <a:schemeClr val="dk1"/>
-                </a:solidFill>
-                <a:latin typeface="Calibri"/>
-                <a:ea typeface="Calibri"/>
-                <a:cs typeface="Calibri"/>
-                <a:sym typeface="Calibri"/>
-              </a:rPr>
-              <a:t>IDENTIFY 7-10 REAL WORLD PROJECTS THAT WILL BE USED TO EVALUATE THE AUGMENTED PIT</a:t>
-            </a:r>
-          </a:p>
-          <a:p>
-            <a:pPr indent="0" lvl="0" marL="457200" rtl="0">
-              <a:lnSpc>
-                <a:spcPct val="115000"/>
-              </a:lnSpc>
-              <a:spcBef>
-                <a:spcPts val="0"/>
-              </a:spcBef>
-              <a:spcAft>
-                <a:spcPts val="1000"/>
-              </a:spcAft>
-              <a:buNone/>
-            </a:pPr>
-            <a:r>
-              <a:rPr lang="en-US" sz="2000">
-                <a:solidFill>
-                  <a:schemeClr val="dk1"/>
-                </a:solidFill>
-                <a:latin typeface="Calibri"/>
-                <a:ea typeface="Calibri"/>
-                <a:cs typeface="Calibri"/>
-                <a:sym typeface="Calibri"/>
-              </a:rPr>
-              <a:t>➢We intend on locating 7-10 viable projects , while only 5 are required, because we want to be sure we have additional projects ready if one of the five we need to use is not compatible with PIT</a:t>
-            </a:r>
-          </a:p>
-          <a:p>
-            <a:pPr lvl="0" rtl="0">
-              <a:lnSpc>
-                <a:spcPct val="115000"/>
-              </a:lnSpc>
-              <a:spcBef>
-                <a:spcPts val="0"/>
-              </a:spcBef>
-              <a:spcAft>
-                <a:spcPts val="1000"/>
-              </a:spcAft>
-              <a:buNone/>
-            </a:pPr>
-            <a:r>
-              <a:rPr lang="en-US" sz="2400">
-                <a:solidFill>
-                  <a:schemeClr val="dk1"/>
-                </a:solidFill>
-                <a:latin typeface="Calibri"/>
-                <a:ea typeface="Calibri"/>
-                <a:cs typeface="Calibri"/>
-                <a:sym typeface="Calibri"/>
-              </a:rPr>
-              <a:t>4. </a:t>
-            </a:r>
-            <a:r>
-              <a:rPr b="1" lang="en-US" sz="2200">
-                <a:solidFill>
-                  <a:schemeClr val="dk1"/>
-                </a:solidFill>
-                <a:latin typeface="Calibri"/>
-                <a:ea typeface="Calibri"/>
-                <a:cs typeface="Calibri"/>
-                <a:sym typeface="Calibri"/>
-              </a:rPr>
-              <a:t>COMPLETE AND LOG EVALUATIONS ON 5 OF THE REAL WORLD PROJECTS CHOSEN IN C</a:t>
-            </a:r>
-          </a:p>
-          <a:p>
-            <a:pPr indent="457200" lvl="0" rtl="0">
-              <a:lnSpc>
-                <a:spcPct val="115000"/>
-              </a:lnSpc>
-              <a:spcBef>
-                <a:spcPts val="0"/>
-              </a:spcBef>
-              <a:spcAft>
-                <a:spcPts val="1000"/>
-              </a:spcAft>
-              <a:buNone/>
-            </a:pPr>
-            <a:r>
-              <a:rPr lang="en-US" sz="2000">
-                <a:solidFill>
-                  <a:schemeClr val="dk1"/>
-                </a:solidFill>
-                <a:latin typeface="Calibri"/>
-                <a:ea typeface="Calibri"/>
-                <a:cs typeface="Calibri"/>
-                <a:sym typeface="Calibri"/>
-              </a:rPr>
-              <a:t>➢To complete the evaluations of the real world projects using our augmented PIT</a:t>
-            </a:r>
-          </a:p>
-          <a:p>
-            <a:pPr lvl="0" rtl="0">
-              <a:lnSpc>
-                <a:spcPct val="115000"/>
-              </a:lnSpc>
-              <a:spcBef>
-                <a:spcPts val="0"/>
-              </a:spcBef>
-              <a:buNone/>
-            </a:pPr>
-            <a:r>
-              <a:rPr lang="en-US" sz="2200">
-                <a:solidFill>
-                  <a:schemeClr val="dk1"/>
-                </a:solidFill>
-                <a:latin typeface="Calibri"/>
-                <a:ea typeface="Calibri"/>
-                <a:cs typeface="Calibri"/>
-                <a:sym typeface="Calibri"/>
-              </a:rPr>
-              <a:t>5. </a:t>
-            </a:r>
-            <a:r>
-              <a:rPr b="1" lang="en-US" sz="2200">
-                <a:solidFill>
-                  <a:schemeClr val="dk1"/>
-                </a:solidFill>
-                <a:latin typeface="Calibri"/>
-                <a:ea typeface="Calibri"/>
-                <a:cs typeface="Calibri"/>
-                <a:sym typeface="Calibri"/>
-              </a:rPr>
-              <a:t>REPORT ON OUR FINDINGS</a:t>
-            </a:r>
-          </a:p>
-          <a:p>
-            <a:pPr indent="457200" lvl="0" rtl="0">
-              <a:lnSpc>
-                <a:spcPct val="115000"/>
-              </a:lnSpc>
-              <a:spcBef>
-                <a:spcPts val="0"/>
-              </a:spcBef>
-              <a:buNone/>
-            </a:pPr>
-            <a:r>
-              <a:rPr lang="en-US" sz="2000">
-                <a:solidFill>
-                  <a:schemeClr val="dk1"/>
-                </a:solidFill>
-                <a:latin typeface="Calibri"/>
-                <a:ea typeface="Calibri"/>
-                <a:cs typeface="Calibri"/>
-                <a:sym typeface="Calibri"/>
-              </a:rPr>
-              <a:t>➢we compile our logs into a final report intended for submission</a:t>
-            </a:r>
-          </a:p>
-          <a:p>
-            <a:pPr indent="0" lvl="0" marL="0" rtl="0">
-              <a:spcBef>
-                <a:spcPts val="0"/>
-              </a:spcBef>
-              <a:spcAft>
-                <a:spcPts val="1000"/>
-              </a:spcAft>
-              <a:buNone/>
-            </a:pPr>
-            <a:r>
-              <a:t/>
-            </a:r>
-            <a:endParaRPr sz="2200">
-              <a:solidFill>
-                <a:schemeClr val="dk1"/>
-              </a:solidFill>
-              <a:latin typeface="Calibri"/>
-              <a:ea typeface="Calibri"/>
-              <a:cs typeface="Calibri"/>
-              <a:sym typeface="Calibri"/>
-            </a:endParaRPr>
-          </a:p>
-          <a:p>
-            <a:pPr lvl="0" rtl="0">
-              <a:spcBef>
-                <a:spcPts val="0"/>
-              </a:spcBef>
-              <a:buNone/>
-            </a:pPr>
-            <a:r>
-              <a:t/>
-            </a:r>
-            <a:endParaRPr sz="2400">
-              <a:solidFill>
-                <a:schemeClr val="dk1"/>
-              </a:solidFill>
-              <a:latin typeface="Calibri"/>
-              <a:ea typeface="Calibri"/>
-              <a:cs typeface="Calibri"/>
-              <a:sym typeface="Calibri"/>
-            </a:endParaRPr>
-          </a:p>
-          <a:p>
-            <a:pPr lvl="0">
-              <a:spcBef>
-                <a:spcPts val="0"/>
-              </a:spcBef>
-              <a:buNone/>
-            </a:pPr>
-            <a:r>
-              <a:t/>
-            </a:r>
-            <a:endParaRPr sz="2400">
-              <a:solidFill>
-                <a:schemeClr val="dk1"/>
-              </a:solidFill>
-              <a:latin typeface="Calibri"/>
-              <a:ea typeface="Calibri"/>
-              <a:cs typeface="Calibri"/>
-              <a:sym typeface="Calibri"/>
-            </a:endParaRPr>
-          </a:p>
-        </p:txBody>
-      </p:sp>
-    </p:spTree>
-  </p:cSld>
-  <p:clrMapOvr>
-    <a:masterClrMapping/>
-  </p:clrMapOvr>
-</p:sld>
-</file>
-
-<file path=ppt/slides/slide13.xml><?xml version="1.0" encoding="utf-8"?>
-<p:sld xmlns:a="http://schemas.openxmlformats.org/drawingml/2006/main" xmlns:r="http://schemas.openxmlformats.org/officeDocument/2006/relationships" xmlns:mc="http://schemas.openxmlformats.org/markup-compatibility/2006" xmlns:mv="urn:schemas-microsoft-com:mac:vml" xmlns:p="http://schemas.openxmlformats.org/presentationml/2006/main" xmlns:c="http://schemas.openxmlformats.org/drawingml/2006/chart" xmlns:dgm="http://schemas.openxmlformats.org/drawingml/2006/diagram" xmlns:o="urn:schemas-microsoft-com:office:office" xmlns:v="urn:schemas-microsoft-com:vml" xmlns:pvml="urn:schemas-microsoft-com:office:powerpoint" xmlns:com="http://schemas.openxmlformats.org/drawingml/2006/compatibility" xmlns:p14="http://schemas.microsoft.com/office/powerpoint/2010/main" xmlns:p15="http://schemas.microsoft.com/office/powerpoint/2012/main">
-  <p:cSld>
-    <p:spTree>
-      <p:nvGrpSpPr>
-        <p:cNvPr id="154" name="Shape 154"/>
-        <p:cNvGrpSpPr/>
-        <p:nvPr/>
-      </p:nvGrpSpPr>
-      <p:grpSpPr>
-        <a:xfrm>
-          <a:off x="0" y="0"/>
-          <a:ext cx="0" cy="0"/>
-          <a:chOff x="0" y="0"/>
-          <a:chExt cx="0" cy="0"/>
-        </a:xfrm>
-      </p:grpSpPr>
-      <p:sp>
-        <p:nvSpPr>
-          <p:cNvPr id="155" name="Shape 155"/>
-          <p:cNvSpPr txBox="1"/>
-          <p:nvPr>
-            <p:ph type="title"/>
-          </p:nvPr>
-        </p:nvSpPr>
-        <p:spPr>
-          <a:xfrm>
-            <a:off x="838200" y="288925"/>
-            <a:ext cx="10515600" cy="1325700"/>
-          </a:xfrm>
-          <a:prstGeom prst="rect">
-            <a:avLst/>
-          </a:prstGeom>
-        </p:spPr>
-        <p:txBody>
-          <a:bodyPr anchorCtr="0" anchor="ctr" bIns="91425" lIns="91425" rIns="91425" wrap="square" tIns="91425">
-            <a:noAutofit/>
-          </a:bodyPr>
-          <a:lstStyle/>
-          <a:p>
-            <a:pPr lvl="0">
-              <a:spcBef>
-                <a:spcPts val="0"/>
-              </a:spcBef>
-              <a:buNone/>
-            </a:pPr>
-            <a:r>
-              <a:rPr lang="en-US"/>
-              <a:t>References</a:t>
-            </a:r>
-          </a:p>
-        </p:txBody>
-      </p:sp>
-      <p:sp>
-        <p:nvSpPr>
-          <p:cNvPr id="156" name="Shape 156"/>
-          <p:cNvSpPr txBox="1"/>
-          <p:nvPr>
-            <p:ph idx="1" type="body"/>
-          </p:nvPr>
-        </p:nvSpPr>
-        <p:spPr>
-          <a:xfrm>
-            <a:off x="838200" y="1495375"/>
-            <a:ext cx="10515600" cy="4351200"/>
-          </a:xfrm>
-          <a:prstGeom prst="rect">
-            <a:avLst/>
-          </a:prstGeom>
-        </p:spPr>
-        <p:txBody>
-          <a:bodyPr anchorCtr="0" anchor="t" bIns="91425" lIns="91425" rIns="91425" wrap="square" tIns="91425">
-            <a:noAutofit/>
-          </a:bodyPr>
-          <a:lstStyle/>
-          <a:p>
-            <a:pPr indent="0" lvl="0" marL="0" rtl="0">
-              <a:lnSpc>
-                <a:spcPct val="100000"/>
-              </a:lnSpc>
-              <a:spcBef>
-                <a:spcPts val="0"/>
-              </a:spcBef>
-              <a:buNone/>
-            </a:pPr>
-            <a:r>
-              <a:t/>
-            </a:r>
-            <a:endParaRPr sz="2400">
-              <a:solidFill>
-                <a:srgbClr val="000000"/>
-              </a:solidFill>
-            </a:endParaRPr>
-          </a:p>
-          <a:p>
-            <a:pPr indent="-381000" lvl="0" marL="457200" rtl="0">
-              <a:lnSpc>
-                <a:spcPct val="100000"/>
-              </a:lnSpc>
-              <a:spcBef>
-                <a:spcPts val="1000"/>
-              </a:spcBef>
-              <a:spcAft>
-                <a:spcPts val="0"/>
-              </a:spcAft>
-              <a:buSzPct val="100000"/>
-              <a:buAutoNum type="arabicPeriod"/>
-            </a:pPr>
-            <a:r>
-              <a:rPr lang="en-US" sz="2400">
-                <a:solidFill>
-                  <a:srgbClr val="000000"/>
-                </a:solidFill>
-              </a:rPr>
-              <a:t>H. Coles. 2017. “PIT.” Retrieved from</a:t>
-            </a:r>
-            <a:r>
-              <a:rPr lang="en-US" sz="2400">
-                <a:solidFill>
-                  <a:srgbClr val="000000"/>
-                </a:solidFill>
-                <a:hlinkClick r:id="rId3"/>
-              </a:rPr>
-              <a:t> </a:t>
-            </a:r>
-            <a:r>
-              <a:rPr lang="en-US" sz="2400" u="sng">
-                <a:solidFill>
-                  <a:schemeClr val="hlink"/>
-                </a:solidFill>
-                <a:highlight>
-                  <a:srgbClr val="DDDDDD"/>
-                </a:highlight>
-                <a:hlinkClick r:id="rId4"/>
-              </a:rPr>
-              <a:t>http://pitest.org/</a:t>
-            </a:r>
-          </a:p>
-          <a:p>
-            <a:pPr indent="0" lvl="0" marL="0" rtl="0">
-              <a:lnSpc>
-                <a:spcPct val="100000"/>
-              </a:lnSpc>
-              <a:spcBef>
-                <a:spcPts val="1000"/>
-              </a:spcBef>
-              <a:spcAft>
-                <a:spcPts val="0"/>
-              </a:spcAft>
-              <a:buNone/>
-            </a:pPr>
-            <a:r>
-              <a:t/>
-            </a:r>
-            <a:endParaRPr sz="2400">
-              <a:solidFill>
-                <a:srgbClr val="000000"/>
-              </a:solidFill>
-            </a:endParaRPr>
-          </a:p>
-          <a:p>
-            <a:pPr indent="-381000" lvl="0" marL="457200" rtl="0">
-              <a:lnSpc>
-                <a:spcPct val="100000"/>
-              </a:lnSpc>
-              <a:spcBef>
-                <a:spcPts val="0"/>
-              </a:spcBef>
-              <a:buClr>
-                <a:srgbClr val="000000"/>
-              </a:buClr>
-              <a:buSzPct val="100000"/>
-              <a:buAutoNum type="arabicPeriod"/>
-            </a:pPr>
-            <a:r>
-              <a:rPr lang="en-US" sz="2400">
-                <a:solidFill>
-                  <a:srgbClr val="000000"/>
-                </a:solidFill>
-              </a:rPr>
-              <a:t>Coles, Henry, Thomas Laurent, Christopher Henard, Mike Papadakis, and Anthony Ventresque. "PIT: a practical mutation testing tool for Java." In Proceedings of the 25th International Symposium on Software Testing and Analysis, pp. 449-452. ACM, 2016.</a:t>
-            </a:r>
-          </a:p>
-          <a:p>
-            <a:pPr indent="0" lvl="0" marL="0" rtl="0">
-              <a:lnSpc>
-                <a:spcPct val="100000"/>
-              </a:lnSpc>
-              <a:spcBef>
-                <a:spcPts val="0"/>
-              </a:spcBef>
-              <a:buNone/>
-            </a:pPr>
-            <a:r>
-              <a:rPr lang="en-US" sz="1400">
-                <a:solidFill>
-                  <a:srgbClr val="000000"/>
-                </a:solidFill>
-                <a:latin typeface="Arial"/>
-                <a:ea typeface="Arial"/>
-                <a:cs typeface="Arial"/>
-                <a:sym typeface="Arial"/>
-              </a:rPr>
-              <a:t> </a:t>
-            </a:r>
-          </a:p>
-          <a:p>
-            <a:pPr indent="0" lvl="0" marL="0" rtl="0">
-              <a:lnSpc>
-                <a:spcPct val="100000"/>
-              </a:lnSpc>
-              <a:spcBef>
-                <a:spcPts val="0"/>
-              </a:spcBef>
-              <a:buNone/>
-            </a:pPr>
-            <a:r>
-              <a:rPr lang="en-US" sz="1400">
-                <a:solidFill>
-                  <a:srgbClr val="000000"/>
-                </a:solidFill>
-                <a:latin typeface="Arial"/>
-                <a:ea typeface="Arial"/>
-                <a:cs typeface="Arial"/>
-                <a:sym typeface="Arial"/>
-              </a:rPr>
-              <a:t> </a:t>
-            </a:r>
-          </a:p>
-          <a:p>
-            <a:pPr lvl="0">
-              <a:spcBef>
-                <a:spcPts val="0"/>
-              </a:spcBef>
-              <a:buNone/>
-            </a:pPr>
-            <a:r>
-              <a:t/>
-            </a:r>
-            <a:endParaRPr/>
-          </a:p>
-        </p:txBody>
-      </p:sp>
-    </p:spTree>
-  </p:cSld>
-  <p:clrMapOvr>
-    <a:masterClrMapping/>
-  </p:clrMapOvr>
-</p:sld>
-</file>
-
-<file path=ppt/slides/slide14.xml><?xml version="1.0" encoding="utf-8"?>
-<p:sld xmlns:a="http://schemas.openxmlformats.org/drawingml/2006/main" xmlns:r="http://schemas.openxmlformats.org/officeDocument/2006/relationships" xmlns:mc="http://schemas.openxmlformats.org/markup-compatibility/2006" xmlns:mv="urn:schemas-microsoft-com:mac:vml" xmlns:p="http://schemas.openxmlformats.org/presentationml/2006/main" xmlns:c="http://schemas.openxmlformats.org/drawingml/2006/chart" xmlns:dgm="http://schemas.openxmlformats.org/drawingml/2006/diagram" xmlns:o="urn:schemas-microsoft-com:office:office" xmlns:v="urn:schemas-microsoft-com:vml" xmlns:pvml="urn:schemas-microsoft-com:office:powerpoint" xmlns:com="http://schemas.openxmlformats.org/drawingml/2006/compatibility" xmlns:p14="http://schemas.microsoft.com/office/powerpoint/2010/main" xmlns:p15="http://schemas.microsoft.com/office/powerpoint/2012/main">
-  <p:cSld>
-    <p:spTree>
-      <p:nvGrpSpPr>
-        <p:cNvPr id="160" name="Shape 160"/>
-        <p:cNvGrpSpPr/>
-        <p:nvPr/>
-      </p:nvGrpSpPr>
-      <p:grpSpPr>
-        <a:xfrm>
-          <a:off x="0" y="0"/>
-          <a:ext cx="0" cy="0"/>
-          <a:chOff x="0" y="0"/>
-          <a:chExt cx="0" cy="0"/>
-        </a:xfrm>
-      </p:grpSpPr>
-      <p:sp>
-        <p:nvSpPr>
-          <p:cNvPr id="161" name="Shape 161"/>
-          <p:cNvSpPr txBox="1"/>
-          <p:nvPr/>
-        </p:nvSpPr>
-        <p:spPr>
-          <a:xfrm>
-            <a:off x="3498975" y="2416075"/>
-            <a:ext cx="5369400" cy="1552200"/>
-          </a:xfrm>
-          <a:prstGeom prst="rect">
-            <a:avLst/>
-          </a:prstGeom>
-          <a:noFill/>
-          <a:ln>
-            <a:noFill/>
-          </a:ln>
-        </p:spPr>
-        <p:txBody>
-          <a:bodyPr anchorCtr="0" anchor="t" bIns="91425" lIns="91425" rIns="91425" wrap="square" tIns="91425">
-            <a:noAutofit/>
-          </a:bodyPr>
-          <a:lstStyle/>
-          <a:p>
-            <a:pPr lvl="0" algn="ctr">
-              <a:spcBef>
-                <a:spcPts val="0"/>
-              </a:spcBef>
-              <a:buNone/>
-            </a:pPr>
-            <a:r>
-              <a:rPr lang="en-US" sz="6000">
-                <a:latin typeface="Calibri"/>
-                <a:ea typeface="Calibri"/>
-                <a:cs typeface="Calibri"/>
-                <a:sym typeface="Calibri"/>
-              </a:rPr>
-              <a:t>THANK YOU!</a:t>
-            </a:r>
           </a:p>
         </p:txBody>
       </p:sp>
@@ -13391,47 +13748,27 @@
         <p:spPr>
           <a:xfrm>
             <a:off x="838200" y="365125"/>
-            <a:ext cx="10515600" cy="1325563"/>
+            <a:ext cx="10515600" cy="1325700"/>
           </a:xfrm>
           <a:prstGeom prst="rect">
             <a:avLst/>
           </a:prstGeom>
-          <a:noFill/>
-          <a:ln>
-            <a:noFill/>
-          </a:ln>
         </p:spPr>
         <p:txBody>
-          <a:bodyPr anchorCtr="0" anchor="ctr" bIns="45700" lIns="91425" rIns="91425" wrap="square" tIns="45700">
+          <a:bodyPr anchorCtr="0" anchor="ctr" bIns="91425" lIns="91425" rIns="91425" wrap="square" tIns="91425">
             <a:noAutofit/>
           </a:bodyPr>
           <a:lstStyle/>
           <a:p>
-            <a:pPr indent="-279400" lvl="0" marL="0" marR="0" rtl="0" algn="l">
-              <a:lnSpc>
-                <a:spcPct val="90000"/>
-              </a:lnSpc>
-              <a:spcBef>
-                <a:spcPts val="0"/>
-              </a:spcBef>
-              <a:buClr>
-                <a:schemeClr val="dk1"/>
-              </a:buClr>
-              <a:buSzPct val="100000"/>
-              <a:buFont typeface="Calibri"/>
+            <a:pPr lvl="0" rtl="0" algn="ctr">
+              <a:spcBef>
+                <a:spcPts val="0"/>
+              </a:spcBef>
               <a:buNone/>
             </a:pPr>
             <a:r>
-              <a:rPr b="0" i="0" lang="en-US" sz="4400" u="none" cap="none" strike="noStrike">
-                <a:solidFill>
-                  <a:schemeClr val="dk1"/>
-                </a:solidFill>
-                <a:latin typeface="Calibri"/>
-                <a:ea typeface="Calibri"/>
-                <a:cs typeface="Calibri"/>
-                <a:sym typeface="Calibri"/>
-              </a:rPr>
-              <a:t>What is mutation testing?</a:t>
+              <a:rPr lang="en-US"/>
+              <a:t>PIT</a:t>
             </a:r>
           </a:p>
         </p:txBody>
@@ -13447,172 +13784,106 @@
         <p:spPr>
           <a:xfrm>
             <a:off x="838200" y="1825625"/>
-            <a:ext cx="10515600" cy="4351338"/>
+            <a:ext cx="10515600" cy="4351200"/>
           </a:xfrm>
           <a:prstGeom prst="rect">
             <a:avLst/>
           </a:prstGeom>
-          <a:noFill/>
-          <a:ln>
-            <a:noFill/>
-          </a:ln>
         </p:spPr>
         <p:txBody>
-          <a:bodyPr anchorCtr="0" anchor="t" bIns="45700" lIns="91425" rIns="91425" wrap="square" tIns="45700">
+          <a:bodyPr anchorCtr="0" anchor="t" bIns="91425" lIns="91425" rIns="91425" wrap="square" tIns="91425">
             <a:noAutofit/>
           </a:bodyPr>
           <a:lstStyle/>
           <a:p>
-            <a:pPr indent="-228600" lvl="0" marL="228600" marR="0" rtl="0" algn="l">
-              <a:lnSpc>
-                <a:spcPct val="90000"/>
-              </a:lnSpc>
-              <a:spcBef>
-                <a:spcPts val="0"/>
-              </a:spcBef>
-              <a:spcAft>
-                <a:spcPts val="0"/>
-              </a:spcAft>
-              <a:buClr>
-                <a:schemeClr val="dk1"/>
-              </a:buClr>
-              <a:buSzPct val="100000"/>
-              <a:buFont typeface="Arial"/>
-              <a:buChar char="•"/>
+            <a:pPr indent="-406400" lvl="0" marL="457200" rtl="0">
+              <a:spcBef>
+                <a:spcPts val="0"/>
+              </a:spcBef>
             </a:pPr>
             <a:r>
-              <a:rPr b="0" i="0" lang="en-US" sz="2800" u="none" cap="none" strike="noStrike">
-                <a:solidFill>
-                  <a:schemeClr val="dk1"/>
-                </a:solidFill>
-                <a:latin typeface="Calibri"/>
-                <a:ea typeface="Calibri"/>
-                <a:cs typeface="Calibri"/>
-                <a:sym typeface="Calibri"/>
-              </a:rPr>
-              <a:t>A method of software quality control that tests the unit test suite defined for programs by artificially injecting errors, or mutations, into software.  </a:t>
+              <a:rPr lang="en-US"/>
+              <a:t> </a:t>
+            </a:r>
+            <a:r>
+              <a:rPr lang="en-US" sz="2400"/>
+              <a:t>PIT uses three techniques to obtain its results: </a:t>
             </a:r>
           </a:p>
           <a:p>
-            <a:pPr indent="-228600" lvl="0" marL="228600" marR="0" rtl="0" algn="l">
-              <a:lnSpc>
-                <a:spcPct val="90000"/>
-              </a:lnSpc>
-              <a:spcBef>
-                <a:spcPts val="1000"/>
-              </a:spcBef>
-              <a:spcAft>
-                <a:spcPts val="0"/>
-              </a:spcAft>
-              <a:buClr>
-                <a:schemeClr val="dk1"/>
-              </a:buClr>
-              <a:buSzPct val="100000"/>
-              <a:buFont typeface="Arial"/>
-              <a:buChar char="•"/>
+            <a:pPr indent="-381000" lvl="0" marL="914400" rtl="0">
+              <a:spcBef>
+                <a:spcPts val="0"/>
+              </a:spcBef>
+              <a:buSzPct val="100000"/>
+              <a:buAutoNum type="arabicPeriod"/>
             </a:pPr>
             <a:r>
-              <a:rPr b="0" i="0" lang="en-US" sz="2800" u="none" cap="none" strike="noStrike">
-                <a:solidFill>
-                  <a:schemeClr val="dk1"/>
-                </a:solidFill>
-                <a:latin typeface="Calibri"/>
-                <a:ea typeface="Calibri"/>
-                <a:cs typeface="Calibri"/>
-                <a:sym typeface="Calibri"/>
-              </a:rPr>
-              <a:t>Tests are then executed to evaluate the quality of the test suite. </a:t>
+              <a:rPr lang="en-US" sz="2400"/>
+              <a:t>working on bytecode instead of source code</a:t>
             </a:r>
           </a:p>
           <a:p>
-            <a:pPr indent="-228600" lvl="1" marL="685800" marR="0" rtl="0" algn="l">
-              <a:lnSpc>
-                <a:spcPct val="90000"/>
-              </a:lnSpc>
-              <a:spcBef>
-                <a:spcPts val="500"/>
-              </a:spcBef>
-              <a:spcAft>
-                <a:spcPts val="0"/>
-              </a:spcAft>
-              <a:buClr>
-                <a:schemeClr val="dk1"/>
-              </a:buClr>
-              <a:buSzPct val="100000"/>
-              <a:buFont typeface="Arial"/>
-              <a:buChar char="•"/>
+            <a:pPr indent="-381000" lvl="0" marL="914400" rtl="0">
+              <a:spcBef>
+                <a:spcPts val="0"/>
+              </a:spcBef>
+              <a:buSzPct val="100000"/>
+              <a:buAutoNum type="arabicPeriod"/>
             </a:pPr>
             <a:r>
-              <a:rPr b="0" i="0" lang="en-US" sz="2400" u="none" cap="none" strike="noStrike">
-                <a:solidFill>
-                  <a:schemeClr val="dk1"/>
-                </a:solidFill>
-                <a:latin typeface="Calibri"/>
-                <a:ea typeface="Calibri"/>
-                <a:cs typeface="Calibri"/>
-                <a:sym typeface="Calibri"/>
-              </a:rPr>
-              <a:t> If the mutations are detected, then the mutation is killed and the test suite is deemed adequate with respect to that section of code.  </a:t>
+              <a:rPr lang="en-US" sz="2400"/>
+              <a:t>selecting the tests to run against the mutants </a:t>
             </a:r>
           </a:p>
           <a:p>
-            <a:pPr indent="-228600" lvl="1" marL="685800" marR="0" rtl="0" algn="l">
-              <a:lnSpc>
-                <a:spcPct val="90000"/>
-              </a:lnSpc>
-              <a:spcBef>
-                <a:spcPts val="500"/>
-              </a:spcBef>
-              <a:spcAft>
-                <a:spcPts val="0"/>
-              </a:spcAft>
-              <a:buClr>
-                <a:schemeClr val="dk1"/>
-              </a:buClr>
-              <a:buSzPct val="100000"/>
-              <a:buFont typeface="Arial"/>
-              <a:buChar char="•"/>
+            <a:pPr indent="-381000" lvl="0" marL="914400" rtl="0">
+              <a:spcBef>
+                <a:spcPts val="0"/>
+              </a:spcBef>
+              <a:buSzPct val="100000"/>
+              <a:buAutoNum type="arabicPeriod"/>
             </a:pPr>
             <a:r>
-              <a:rPr b="0" i="0" lang="en-US" sz="2400" u="none" cap="none" strike="noStrike">
-                <a:solidFill>
-                  <a:schemeClr val="dk1"/>
-                </a:solidFill>
-                <a:latin typeface="Calibri"/>
-                <a:ea typeface="Calibri"/>
-                <a:cs typeface="Calibri"/>
-                <a:sym typeface="Calibri"/>
-              </a:rPr>
-              <a:t>If the mutation is not detected, then it is said to have passed, and the test suite for that section of code is inadequate. </a:t>
+              <a:rPr lang="en-US" sz="2400"/>
+              <a:t>minimizing the number of mutant executions</a:t>
             </a:r>
           </a:p>
           <a:p>
-            <a:pPr indent="-228600" lvl="0" marL="228600" marR="0" rtl="0" algn="l">
-              <a:lnSpc>
-                <a:spcPct val="90000"/>
-              </a:lnSpc>
-              <a:spcBef>
-                <a:spcPts val="1000"/>
-              </a:spcBef>
-              <a:buClr>
-                <a:schemeClr val="dk1"/>
-              </a:buClr>
-              <a:buSzPct val="100000"/>
-              <a:buFont typeface="Arial"/>
+            <a:pPr indent="0" lvl="0" marL="0" rtl="0">
+              <a:spcBef>
+                <a:spcPts val="0"/>
+              </a:spcBef>
               <a:buNone/>
             </a:pPr>
             <a:r>
               <a:t/>
             </a:r>
-            <a:endParaRPr b="0" i="0" sz="2800" u="none" cap="none" strike="noStrike">
-              <a:solidFill>
-                <a:schemeClr val="dk1"/>
-              </a:solidFill>
-              <a:latin typeface="Calibri"/>
-              <a:ea typeface="Calibri"/>
-              <a:cs typeface="Calibri"/>
-              <a:sym typeface="Calibri"/>
-            </a:endParaRPr>
+            <a:endParaRPr sz="2400"/>
+          </a:p>
+          <a:p>
+            <a:pPr indent="-381000" lvl="0" marL="457200" rtl="0">
+              <a:spcBef>
+                <a:spcPts val="0"/>
+              </a:spcBef>
+              <a:buSzPct val="100000"/>
+            </a:pPr>
+            <a:r>
+              <a:rPr lang="en-US" sz="2400"/>
+              <a:t>Generate a clear report of the tests execution. This makes the navigation between source code and mutants easy by highlighting mutants that were not killed.</a:t>
+            </a:r>
+          </a:p>
+          <a:p>
+            <a:pPr indent="-381000" lvl="0" marL="457200" rtl="0">
+              <a:spcBef>
+                <a:spcPts val="0"/>
+              </a:spcBef>
+              <a:buSzPct val="100000"/>
+            </a:pPr>
+            <a:r>
+              <a:rPr lang="en-US" sz="2400"/>
+              <a:t>It’s having a good integration with build tools and integrated development environments</a:t>
+            </a:r>
           </a:p>
         </p:txBody>
       </p:sp>
@@ -14126,7 +14397,7 @@
                 <a:cs typeface="Calibri"/>
                 <a:sym typeface="Calibri"/>
               </a:rPr>
-              <a:t>Replaces a constant a with its negation, or with 1, 0, a + 1, a – 1, e.g., a becomes −a, and a becomes a − 1.</a:t>
+              <a:t>Replaces a constant a with its negation, or with 1, 0, a + 1, a – 1 e.g., a becomes −a, and a becomes a − 1.</a:t>
             </a:r>
           </a:p>
           <a:p>
@@ -14477,7 +14748,23 @@
                 <a:cs typeface="Calibri"/>
                 <a:sym typeface="Calibri"/>
               </a:rPr>
-              <a:t>Where  number of Killed mutants, M = total number of Mutants, En = number of equivalent mutants </a:t>
+              <a:t>Where  Kn </a:t>
+            </a:r>
+            <a:r>
+              <a:rPr lang="en-US"/>
+              <a:t>=</a:t>
+            </a:r>
+            <a:r>
+              <a:rPr b="0" i="0" lang="en-US" sz="2400" u="none" cap="none" strike="noStrike">
+                <a:solidFill>
+                  <a:schemeClr val="dk1"/>
+                </a:solidFill>
+                <a:latin typeface="Calibri"/>
+                <a:ea typeface="Calibri"/>
+                <a:cs typeface="Calibri"/>
+                <a:sym typeface="Calibri"/>
+              </a:rPr>
+              <a:t> the number of Killed mutants, M = total number of Mutants, En = number of equivalent mutants </a:t>
             </a:r>
           </a:p>
         </p:txBody>
@@ -15593,6 +15880,285 @@
 </file>
 
 <file path=ppt/theme/theme1.xml><?xml version="1.0" encoding="utf-8"?>
+<a:theme xmlns:a="http://schemas.openxmlformats.org/drawingml/2006/main" xmlns:r="http://schemas.openxmlformats.org/officeDocument/2006/relationships" name="Custom Theme">
+  <a:themeElements>
+    <a:clrScheme name="Default">
+      <a:dk1>
+        <a:srgbClr val="000000"/>
+      </a:dk1>
+      <a:lt1>
+        <a:srgbClr val="FFFFFF"/>
+      </a:lt1>
+      <a:dk2>
+        <a:srgbClr val="158158"/>
+      </a:dk2>
+      <a:lt2>
+        <a:srgbClr val="F3F3F3"/>
+      </a:lt2>
+      <a:accent1>
+        <a:srgbClr val="058DC7"/>
+      </a:accent1>
+      <a:accent2>
+        <a:srgbClr val="50B432"/>
+      </a:accent2>
+      <a:accent3>
+        <a:srgbClr val="ED561B"/>
+      </a:accent3>
+      <a:accent4>
+        <a:srgbClr val="EDEF00"/>
+      </a:accent4>
+      <a:accent5>
+        <a:srgbClr val="24CBE5"/>
+      </a:accent5>
+      <a:accent6>
+        <a:srgbClr val="64E572"/>
+      </a:accent6>
+      <a:hlink>
+        <a:srgbClr val="2200CC"/>
+      </a:hlink>
+      <a:folHlink>
+        <a:srgbClr val="551A8B"/>
+      </a:folHlink>
+    </a:clrScheme>
+    <a:fontScheme name="Office">
+      <a:majorFont>
+        <a:latin typeface="Arial"/>
+        <a:ea typeface=""/>
+        <a:cs typeface=""/>
+        <a:font script="Jpan" typeface="ＭＳ Ｐゴシック"/>
+        <a:font script="Hang" typeface="맑은 고딕"/>
+        <a:font script="Hans" typeface="宋体"/>
+        <a:font script="Hant" typeface="新細明體"/>
+        <a:font script="Arab" typeface="Times New Roman"/>
+        <a:font script="Hebr" typeface="Times New Roman"/>
+        <a:font script="Thai" typeface="Angsana New"/>
+        <a:font script="Ethi" typeface="Nyala"/>
+        <a:font script="Beng" typeface="Vrinda"/>
+        <a:font script="Gujr" typeface="Shruti"/>
+        <a:font script="Khmr" typeface="MoolBoran"/>
+        <a:font script="Knda" typeface="Tunga"/>
+        <a:font script="Guru" typeface="Raavi"/>
+        <a:font script="Cans" typeface="Euphemia"/>
+        <a:font script="Cher" typeface="Plantagenet Cherokee"/>
+        <a:font script="Yiii" typeface="Microsoft Yi Baiti"/>
+        <a:font script="Tibt" typeface="Microsoft Himalaya"/>
+        <a:font script="Thaa" typeface="MV Boli"/>
+        <a:font script="Deva" typeface="Mangal"/>
+        <a:font script="Telu" typeface="Gautami"/>
+        <a:font script="Taml" typeface="Latha"/>
+        <a:font script="Syrc" typeface="Estrangelo Edessa"/>
+        <a:font script="Orya" typeface="Kalinga"/>
+        <a:font script="Mlym" typeface="Kartika"/>
+        <a:font script="Laoo" typeface="DokChampa"/>
+        <a:font script="Sinh" typeface="Iskoola Pota"/>
+        <a:font script="Mong" typeface="Mongolian Baiti"/>
+        <a:font script="Viet" typeface="Times New Roman"/>
+        <a:font script="Uigh" typeface="Microsoft Uighur"/>
+        <a:font script="Geor" typeface="Sylfaen"/>
+      </a:majorFont>
+      <a:minorFont>
+        <a:latin typeface="Arial"/>
+        <a:ea typeface=""/>
+        <a:cs typeface=""/>
+        <a:font script="Jpan" typeface="ＭＳ Ｐゴシック"/>
+        <a:font script="Hang" typeface="맑은 고딕"/>
+        <a:font script="Hans" typeface="宋体"/>
+        <a:font script="Hant" typeface="新細明體"/>
+        <a:font script="Arab" typeface="Arial"/>
+        <a:font script="Hebr" typeface="Arial"/>
+        <a:font script="Thai" typeface="Cordia New"/>
+        <a:font script="Ethi" typeface="Nyala"/>
+        <a:font script="Beng" typeface="Vrinda"/>
+        <a:font script="Gujr" typeface="Shruti"/>
+        <a:font script="Khmr" typeface="DaunPenh"/>
+        <a:font script="Knda" typeface="Tunga"/>
+        <a:font script="Guru" typeface="Raavi"/>
+        <a:font script="Cans" typeface="Euphemia"/>
+        <a:font script="Cher" typeface="Plantagenet Cherokee"/>
+        <a:font script="Yiii" typeface="Microsoft Yi Baiti"/>
+        <a:font script="Tibt" typeface="Microsoft Himalaya"/>
+        <a:font script="Thaa" typeface="MV Boli"/>
+        <a:font script="Deva" typeface="Mangal"/>
+        <a:font script="Telu" typeface="Gautami"/>
+        <a:font script="Taml" typeface="Latha"/>
+        <a:font script="Syrc" typeface="Estrangelo Edessa"/>
+        <a:font script="Orya" typeface="Kalinga"/>
+        <a:font script="Mlym" typeface="Kartika"/>
+        <a:font script="Laoo" typeface="DokChampa"/>
+        <a:font script="Sinh" typeface="Iskoola Pota"/>
+        <a:font script="Mong" typeface="Mongolian Baiti"/>
+        <a:font script="Viet" typeface="Arial"/>
+        <a:font script="Uigh" typeface="Microsoft Uighur"/>
+        <a:font script="Geor" typeface="Sylfaen"/>
+      </a:minorFont>
+    </a:fontScheme>
+    <a:fmtScheme name="Office">
+      <a:fillStyleLst>
+        <a:solidFill>
+          <a:schemeClr val="phClr"/>
+        </a:solidFill>
+        <a:gradFill rotWithShape="1">
+          <a:gsLst>
+            <a:gs pos="0">
+              <a:schemeClr val="phClr">
+                <a:tint val="50000"/>
+                <a:satMod val="300000"/>
+              </a:schemeClr>
+            </a:gs>
+            <a:gs pos="35000">
+              <a:schemeClr val="phClr">
+                <a:tint val="37000"/>
+                <a:satMod val="300000"/>
+              </a:schemeClr>
+            </a:gs>
+            <a:gs pos="100000">
+              <a:schemeClr val="phClr">
+                <a:tint val="15000"/>
+                <a:satMod val="350000"/>
+              </a:schemeClr>
+            </a:gs>
+          </a:gsLst>
+          <a:lin ang="16200000" scaled="1"/>
+        </a:gradFill>
+        <a:gradFill rotWithShape="1">
+          <a:gsLst>
+            <a:gs pos="0">
+              <a:schemeClr val="phClr">
+                <a:tint val="100000"/>
+                <a:shade val="100000"/>
+                <a:satMod val="130000"/>
+              </a:schemeClr>
+            </a:gs>
+            <a:gs pos="100000">
+              <a:schemeClr val="phClr">
+                <a:tint val="50000"/>
+                <a:shade val="100000"/>
+                <a:satMod val="350000"/>
+              </a:schemeClr>
+            </a:gs>
+          </a:gsLst>
+          <a:lin ang="16200000" scaled="0"/>
+        </a:gradFill>
+      </a:fillStyleLst>
+      <a:lnStyleLst>
+        <a:ln w="9525" cap="flat" cmpd="sng" algn="ctr">
+          <a:solidFill>
+            <a:schemeClr val="phClr">
+              <a:shade val="95000"/>
+              <a:satMod val="105000"/>
+            </a:schemeClr>
+          </a:solidFill>
+          <a:prstDash val="solid"/>
+        </a:ln>
+        <a:ln w="25400" cap="flat" cmpd="sng" algn="ctr">
+          <a:solidFill>
+            <a:schemeClr val="phClr"/>
+          </a:solidFill>
+          <a:prstDash val="solid"/>
+        </a:ln>
+        <a:ln w="38100" cap="flat" cmpd="sng" algn="ctr">
+          <a:solidFill>
+            <a:schemeClr val="phClr"/>
+          </a:solidFill>
+          <a:prstDash val="solid"/>
+        </a:ln>
+      </a:lnStyleLst>
+      <a:effectStyleLst>
+        <a:effectStyle>
+          <a:effectLst>
+            <a:outerShdw blurRad="40000" dist="20000" dir="5400000" rotWithShape="0">
+              <a:srgbClr val="000000">
+                <a:alpha val="38000"/>
+              </a:srgbClr>
+            </a:outerShdw>
+          </a:effectLst>
+        </a:effectStyle>
+        <a:effectStyle>
+          <a:effectLst>
+            <a:outerShdw blurRad="40000" dist="23000" dir="5400000" rotWithShape="0">
+              <a:srgbClr val="000000">
+                <a:alpha val="35000"/>
+              </a:srgbClr>
+            </a:outerShdw>
+          </a:effectLst>
+        </a:effectStyle>
+        <a:effectStyle>
+          <a:effectLst>
+            <a:outerShdw blurRad="40000" dist="23000" dir="5400000" rotWithShape="0">
+              <a:srgbClr val="000000">
+                <a:alpha val="35000"/>
+              </a:srgbClr>
+            </a:outerShdw>
+          </a:effectLst>
+          <a:scene3d>
+            <a:camera prst="orthographicFront">
+              <a:rot lat="0" lon="0" rev="0"/>
+            </a:camera>
+            <a:lightRig rig="threePt" dir="t">
+              <a:rot lat="0" lon="0" rev="1200000"/>
+            </a:lightRig>
+          </a:scene3d>
+          <a:sp3d>
+            <a:bevelT w="63500" h="25400"/>
+          </a:sp3d>
+        </a:effectStyle>
+      </a:effectStyleLst>
+      <a:bgFillStyleLst>
+        <a:solidFill>
+          <a:schemeClr val="phClr"/>
+        </a:solidFill>
+        <a:gradFill rotWithShape="1">
+          <a:gsLst>
+            <a:gs pos="0">
+              <a:schemeClr val="phClr">
+                <a:tint val="40000"/>
+                <a:satMod val="350000"/>
+              </a:schemeClr>
+            </a:gs>
+            <a:gs pos="40000">
+              <a:schemeClr val="phClr">
+                <a:tint val="45000"/>
+                <a:shade val="99000"/>
+                <a:satMod val="350000"/>
+              </a:schemeClr>
+            </a:gs>
+            <a:gs pos="100000">
+              <a:schemeClr val="phClr">
+                <a:shade val="20000"/>
+                <a:satMod val="255000"/>
+              </a:schemeClr>
+            </a:gs>
+          </a:gsLst>
+          <a:path path="circle">
+            <a:fillToRect l="50000" t="-80000" r="50000" b="180000"/>
+          </a:path>
+        </a:gradFill>
+        <a:gradFill rotWithShape="1">
+          <a:gsLst>
+            <a:gs pos="0">
+              <a:schemeClr val="phClr">
+                <a:tint val="80000"/>
+                <a:satMod val="300000"/>
+              </a:schemeClr>
+            </a:gs>
+            <a:gs pos="100000">
+              <a:schemeClr val="phClr">
+                <a:shade val="30000"/>
+                <a:satMod val="200000"/>
+              </a:schemeClr>
+            </a:gs>
+          </a:gsLst>
+          <a:path path="circle">
+            <a:fillToRect l="50000" t="50000" r="50000" b="50000"/>
+          </a:path>
+        </a:gradFill>
+      </a:bgFillStyleLst>
+    </a:fmtScheme>
+  </a:themeElements>
+</a:theme>
+</file>
+
+<file path=ppt/theme/theme2.xml><?xml version="1.0" encoding="utf-8"?>
 <a:theme xmlns:a="http://schemas.openxmlformats.org/drawingml/2006/main" xmlns:r="http://schemas.openxmlformats.org/officeDocument/2006/relationships" name="Office Theme">
   <a:themeElements>
     <a:clrScheme name="Office">
@@ -15869,283 +16435,4 @@
     </a:fmtScheme>
   </a:themeElements>
 </a:theme>
-</file>
-
-<file path=ppt/theme/theme2.xml><?xml version="1.0" encoding="utf-8"?>
-<a:theme xmlns:a="http://schemas.openxmlformats.org/drawingml/2006/main" xmlns:r="http://schemas.openxmlformats.org/officeDocument/2006/relationships" name="Custom Theme">
-  <a:themeElements>
-    <a:clrScheme name="Default">
-      <a:dk1>
-        <a:srgbClr val="000000"/>
-      </a:dk1>
-      <a:lt1>
-        <a:srgbClr val="FFFFFF"/>
-      </a:lt1>
-      <a:dk2>
-        <a:srgbClr val="158158"/>
-      </a:dk2>
-      <a:lt2>
-        <a:srgbClr val="F3F3F3"/>
-      </a:lt2>
-      <a:accent1>
-        <a:srgbClr val="058DC7"/>
-      </a:accent1>
-      <a:accent2>
-        <a:srgbClr val="50B432"/>
-      </a:accent2>
-      <a:accent3>
-        <a:srgbClr val="ED561B"/>
-      </a:accent3>
-      <a:accent4>
-        <a:srgbClr val="EDEF00"/>
-      </a:accent4>
-      <a:accent5>
-        <a:srgbClr val="24CBE5"/>
-      </a:accent5>
-      <a:accent6>
-        <a:srgbClr val="64E572"/>
-      </a:accent6>
-      <a:hlink>
-        <a:srgbClr val="2200CC"/>
-      </a:hlink>
-      <a:folHlink>
-        <a:srgbClr val="551A8B"/>
-      </a:folHlink>
-    </a:clrScheme>
-    <a:fontScheme name="Office">
-      <a:majorFont>
-        <a:latin typeface="Arial"/>
-        <a:ea typeface=""/>
-        <a:cs typeface=""/>
-        <a:font script="Jpan" typeface="ＭＳ Ｐゴシック"/>
-        <a:font script="Hang" typeface="맑은 고딕"/>
-        <a:font script="Hans" typeface="宋体"/>
-        <a:font script="Hant" typeface="新細明體"/>
-        <a:font script="Arab" typeface="Times New Roman"/>
-        <a:font script="Hebr" typeface="Times New Roman"/>
-        <a:font script="Thai" typeface="Angsana New"/>
-        <a:font script="Ethi" typeface="Nyala"/>
-        <a:font script="Beng" typeface="Vrinda"/>
-        <a:font script="Gujr" typeface="Shruti"/>
-        <a:font script="Khmr" typeface="MoolBoran"/>
-        <a:font script="Knda" typeface="Tunga"/>
-        <a:font script="Guru" typeface="Raavi"/>
-        <a:font script="Cans" typeface="Euphemia"/>
-        <a:font script="Cher" typeface="Plantagenet Cherokee"/>
-        <a:font script="Yiii" typeface="Microsoft Yi Baiti"/>
-        <a:font script="Tibt" typeface="Microsoft Himalaya"/>
-        <a:font script="Thaa" typeface="MV Boli"/>
-        <a:font script="Deva" typeface="Mangal"/>
-        <a:font script="Telu" typeface="Gautami"/>
-        <a:font script="Taml" typeface="Latha"/>
-        <a:font script="Syrc" typeface="Estrangelo Edessa"/>
-        <a:font script="Orya" typeface="Kalinga"/>
-        <a:font script="Mlym" typeface="Kartika"/>
-        <a:font script="Laoo" typeface="DokChampa"/>
-        <a:font script="Sinh" typeface="Iskoola Pota"/>
-        <a:font script="Mong" typeface="Mongolian Baiti"/>
-        <a:font script="Viet" typeface="Times New Roman"/>
-        <a:font script="Uigh" typeface="Microsoft Uighur"/>
-        <a:font script="Geor" typeface="Sylfaen"/>
-      </a:majorFont>
-      <a:minorFont>
-        <a:latin typeface="Arial"/>
-        <a:ea typeface=""/>
-        <a:cs typeface=""/>
-        <a:font script="Jpan" typeface="ＭＳ Ｐゴシック"/>
-        <a:font script="Hang" typeface="맑은 고딕"/>
-        <a:font script="Hans" typeface="宋体"/>
-        <a:font script="Hant" typeface="新細明體"/>
-        <a:font script="Arab" typeface="Arial"/>
-        <a:font script="Hebr" typeface="Arial"/>
-        <a:font script="Thai" typeface="Cordia New"/>
-        <a:font script="Ethi" typeface="Nyala"/>
-        <a:font script="Beng" typeface="Vrinda"/>
-        <a:font script="Gujr" typeface="Shruti"/>
-        <a:font script="Khmr" typeface="DaunPenh"/>
-        <a:font script="Knda" typeface="Tunga"/>
-        <a:font script="Guru" typeface="Raavi"/>
-        <a:font script="Cans" typeface="Euphemia"/>
-        <a:font script="Cher" typeface="Plantagenet Cherokee"/>
-        <a:font script="Yiii" typeface="Microsoft Yi Baiti"/>
-        <a:font script="Tibt" typeface="Microsoft Himalaya"/>
-        <a:font script="Thaa" typeface="MV Boli"/>
-        <a:font script="Deva" typeface="Mangal"/>
-        <a:font script="Telu" typeface="Gautami"/>
-        <a:font script="Taml" typeface="Latha"/>
-        <a:font script="Syrc" typeface="Estrangelo Edessa"/>
-        <a:font script="Orya" typeface="Kalinga"/>
-        <a:font script="Mlym" typeface="Kartika"/>
-        <a:font script="Laoo" typeface="DokChampa"/>
-        <a:font script="Sinh" typeface="Iskoola Pota"/>
-        <a:font script="Mong" typeface="Mongolian Baiti"/>
-        <a:font script="Viet" typeface="Arial"/>
-        <a:font script="Uigh" typeface="Microsoft Uighur"/>
-        <a:font script="Geor" typeface="Sylfaen"/>
-      </a:minorFont>
-    </a:fontScheme>
-    <a:fmtScheme name="Office">
-      <a:fillStyleLst>
-        <a:solidFill>
-          <a:schemeClr val="phClr"/>
-        </a:solidFill>
-        <a:gradFill rotWithShape="1">
-          <a:gsLst>
-            <a:gs pos="0">
-              <a:schemeClr val="phClr">
-                <a:tint val="50000"/>
-                <a:satMod val="300000"/>
-              </a:schemeClr>
-            </a:gs>
-            <a:gs pos="35000">
-              <a:schemeClr val="phClr">
-                <a:tint val="37000"/>
-                <a:satMod val="300000"/>
-              </a:schemeClr>
-            </a:gs>
-            <a:gs pos="100000">
-              <a:schemeClr val="phClr">
-                <a:tint val="15000"/>
-                <a:satMod val="350000"/>
-              </a:schemeClr>
-            </a:gs>
-          </a:gsLst>
-          <a:lin ang="16200000" scaled="1"/>
-        </a:gradFill>
-        <a:gradFill rotWithShape="1">
-          <a:gsLst>
-            <a:gs pos="0">
-              <a:schemeClr val="phClr">
-                <a:tint val="100000"/>
-                <a:shade val="100000"/>
-                <a:satMod val="130000"/>
-              </a:schemeClr>
-            </a:gs>
-            <a:gs pos="100000">
-              <a:schemeClr val="phClr">
-                <a:tint val="50000"/>
-                <a:shade val="100000"/>
-                <a:satMod val="350000"/>
-              </a:schemeClr>
-            </a:gs>
-          </a:gsLst>
-          <a:lin ang="16200000" scaled="0"/>
-        </a:gradFill>
-      </a:fillStyleLst>
-      <a:lnStyleLst>
-        <a:ln w="9525" cap="flat" cmpd="sng" algn="ctr">
-          <a:solidFill>
-            <a:schemeClr val="phClr">
-              <a:shade val="95000"/>
-              <a:satMod val="105000"/>
-            </a:schemeClr>
-          </a:solidFill>
-          <a:prstDash val="solid"/>
-        </a:ln>
-        <a:ln w="25400" cap="flat" cmpd="sng" algn="ctr">
-          <a:solidFill>
-            <a:schemeClr val="phClr"/>
-          </a:solidFill>
-          <a:prstDash val="solid"/>
-        </a:ln>
-        <a:ln w="38100" cap="flat" cmpd="sng" algn="ctr">
-          <a:solidFill>
-            <a:schemeClr val="phClr"/>
-          </a:solidFill>
-          <a:prstDash val="solid"/>
-        </a:ln>
-      </a:lnStyleLst>
-      <a:effectStyleLst>
-        <a:effectStyle>
-          <a:effectLst>
-            <a:outerShdw blurRad="40000" dist="20000" dir="5400000" rotWithShape="0">
-              <a:srgbClr val="000000">
-                <a:alpha val="38000"/>
-              </a:srgbClr>
-            </a:outerShdw>
-          </a:effectLst>
-        </a:effectStyle>
-        <a:effectStyle>
-          <a:effectLst>
-            <a:outerShdw blurRad="40000" dist="23000" dir="5400000" rotWithShape="0">
-              <a:srgbClr val="000000">
-                <a:alpha val="35000"/>
-              </a:srgbClr>
-            </a:outerShdw>
-          </a:effectLst>
-        </a:effectStyle>
-        <a:effectStyle>
-          <a:effectLst>
-            <a:outerShdw blurRad="40000" dist="23000" dir="5400000" rotWithShape="0">
-              <a:srgbClr val="000000">
-                <a:alpha val="35000"/>
-              </a:srgbClr>
-            </a:outerShdw>
-          </a:effectLst>
-          <a:scene3d>
-            <a:camera prst="orthographicFront">
-              <a:rot lat="0" lon="0" rev="0"/>
-            </a:camera>
-            <a:lightRig rig="threePt" dir="t">
-              <a:rot lat="0" lon="0" rev="1200000"/>
-            </a:lightRig>
-          </a:scene3d>
-          <a:sp3d>
-            <a:bevelT w="63500" h="25400"/>
-          </a:sp3d>
-        </a:effectStyle>
-      </a:effectStyleLst>
-      <a:bgFillStyleLst>
-        <a:solidFill>
-          <a:schemeClr val="phClr"/>
-        </a:solidFill>
-        <a:gradFill rotWithShape="1">
-          <a:gsLst>
-            <a:gs pos="0">
-              <a:schemeClr val="phClr">
-                <a:tint val="40000"/>
-                <a:satMod val="350000"/>
-              </a:schemeClr>
-            </a:gs>
-            <a:gs pos="40000">
-              <a:schemeClr val="phClr">
-                <a:tint val="45000"/>
-                <a:shade val="99000"/>
-                <a:satMod val="350000"/>
-              </a:schemeClr>
-            </a:gs>
-            <a:gs pos="100000">
-              <a:schemeClr val="phClr">
-                <a:shade val="20000"/>
-                <a:satMod val="255000"/>
-              </a:schemeClr>
-            </a:gs>
-          </a:gsLst>
-          <a:path path="circle">
-            <a:fillToRect l="50000" t="-80000" r="50000" b="180000"/>
-          </a:path>
-        </a:gradFill>
-        <a:gradFill rotWithShape="1">
-          <a:gsLst>
-            <a:gs pos="0">
-              <a:schemeClr val="phClr">
-                <a:tint val="80000"/>
-                <a:satMod val="300000"/>
-              </a:schemeClr>
-            </a:gs>
-            <a:gs pos="100000">
-              <a:schemeClr val="phClr">
-                <a:shade val="30000"/>
-                <a:satMod val="200000"/>
-              </a:schemeClr>
-            </a:gs>
-          </a:gsLst>
-          <a:path path="circle">
-            <a:fillToRect l="50000" t="50000" r="50000" b="50000"/>
-          </a:path>
-        </a:gradFill>
-      </a:bgFillStyleLst>
-    </a:fmtScheme>
-  </a:themeElements>
-</a:theme>
 </file>